--- a/slides/AWS-EKS-Cluster-Fargate-Quickstart.pptx
+++ b/slides/AWS-EKS-Cluster-Fargate-Quickstart.pptx
@@ -5,10 +5,10 @@
     <p:sldMasterId id="2147483852" r:id="rId1"/>
   </p:sldMasterIdLst>
   <p:notesMasterIdLst>
-    <p:notesMasterId r:id="rId14"/>
+    <p:notesMasterId r:id="rId15"/>
   </p:notesMasterIdLst>
   <p:handoutMasterIdLst>
-    <p:handoutMasterId r:id="rId15"/>
+    <p:handoutMasterId r:id="rId16"/>
   </p:handoutMasterIdLst>
   <p:sldIdLst>
     <p:sldId id="256" r:id="rId2"/>
@@ -21,8 +21,9 @@
     <p:sldId id="262" r:id="rId9"/>
     <p:sldId id="272" r:id="rId10"/>
     <p:sldId id="271" r:id="rId11"/>
-    <p:sldId id="268" r:id="rId12"/>
-    <p:sldId id="265" r:id="rId13"/>
+    <p:sldId id="274" r:id="rId12"/>
+    <p:sldId id="268" r:id="rId13"/>
+    <p:sldId id="265" r:id="rId14"/>
   </p:sldIdLst>
   <p:sldSz cx="9144000" cy="6858000" type="screen4x3"/>
   <p:notesSz cx="6858000" cy="9144000"/>
@@ -207,7 +208,7 @@
             <a:fld id="{814910AB-AEF0-414C-82CB-791080B1186B}" type="datetimeFigureOut">
               <a:rPr lang="en-US" smtClean="0"/>
               <a:pPr/>
-              <a:t>12/26/2019</a:t>
+              <a:t>2/20/2020</a:t>
             </a:fld>
             <a:endParaRPr lang="en-US" dirty="0"/>
           </a:p>
@@ -374,7 +375,7 @@
             <a:fld id="{5B4AE38D-E020-46F3-803D-8636C5B7B74E}" type="datetimeFigureOut">
               <a:rPr lang="en-US" smtClean="0"/>
               <a:pPr/>
-              <a:t>12/26/2019</a:t>
+              <a:t>2/20/2020</a:t>
             </a:fld>
             <a:endParaRPr lang="en-US" dirty="0"/>
           </a:p>
@@ -900,6 +901,99 @@
 </p:notes>
 </file>
 
+<file path=ppt/notesSlides/notesSlide4.xml><?xml version="1.0" encoding="utf-8"?>
+<p:notes xmlns:a="http://schemas.openxmlformats.org/drawingml/2006/main" xmlns:r="http://schemas.openxmlformats.org/officeDocument/2006/relationships" xmlns:p="http://schemas.openxmlformats.org/presentationml/2006/main">
+  <p:cSld>
+    <p:spTree>
+      <p:nvGrpSpPr>
+        <p:cNvPr id="1" name=""/>
+        <p:cNvGrpSpPr/>
+        <p:nvPr/>
+      </p:nvGrpSpPr>
+      <p:grpSpPr>
+        <a:xfrm>
+          <a:off x="0" y="0"/>
+          <a:ext cx="0" cy="0"/>
+          <a:chOff x="0" y="0"/>
+          <a:chExt cx="0" cy="0"/>
+        </a:xfrm>
+      </p:grpSpPr>
+      <p:sp>
+        <p:nvSpPr>
+          <p:cNvPr id="2" name="Slide Image Placeholder 1"/>
+          <p:cNvSpPr>
+            <a:spLocks noGrp="1" noRot="1" noChangeAspect="1"/>
+          </p:cNvSpPr>
+          <p:nvPr>
+            <p:ph type="sldImg"/>
+          </p:nvPr>
+        </p:nvSpPr>
+        <p:spPr/>
+      </p:sp>
+      <p:sp>
+        <p:nvSpPr>
+          <p:cNvPr id="3" name="Notes Placeholder 2"/>
+          <p:cNvSpPr>
+            <a:spLocks noGrp="1"/>
+          </p:cNvSpPr>
+          <p:nvPr>
+            <p:ph type="body" idx="1"/>
+          </p:nvPr>
+        </p:nvSpPr>
+        <p:spPr/>
+        <p:txBody>
+          <a:bodyPr>
+            <a:normAutofit/>
+          </a:bodyPr>
+          <a:lstStyle/>
+          <a:p>
+            <a:pPr marL="0" indent="0">
+              <a:buNone/>
+            </a:pPr>
+            <a:endParaRPr lang="en-US" dirty="0"/>
+          </a:p>
+        </p:txBody>
+      </p:sp>
+      <p:sp>
+        <p:nvSpPr>
+          <p:cNvPr id="4" name="Slide Number Placeholder 3"/>
+          <p:cNvSpPr>
+            <a:spLocks noGrp="1"/>
+          </p:cNvSpPr>
+          <p:nvPr>
+            <p:ph type="sldNum" sz="quarter" idx="10"/>
+          </p:nvPr>
+        </p:nvSpPr>
+        <p:spPr/>
+        <p:txBody>
+          <a:bodyPr/>
+          <a:lstStyle/>
+          <a:p>
+            <a:fld id="{74DE7DC8-A302-4EFB-9208-987A80C71CE4}" type="slidenum">
+              <a:rPr lang="en-US" smtClean="0">
+                <a:solidFill>
+                  <a:prstClr val="black"/>
+                </a:solidFill>
+              </a:rPr>
+              <a:pPr/>
+              <a:t>11</a:t>
+            </a:fld>
+            <a:endParaRPr lang="en-US" dirty="0">
+              <a:solidFill>
+                <a:prstClr val="black"/>
+              </a:solidFill>
+            </a:endParaRPr>
+          </a:p>
+        </p:txBody>
+      </p:sp>
+    </p:spTree>
+  </p:cSld>
+  <p:clrMapOvr>
+    <a:masterClrMapping/>
+  </p:clrMapOvr>
+</p:notes>
+</file>
+
 <file path=ppt/slideLayouts/slideLayout1.xml><?xml version="1.0" encoding="utf-8"?>
 <p:sldLayout xmlns:a="http://schemas.openxmlformats.org/drawingml/2006/main" xmlns:r="http://schemas.openxmlformats.org/officeDocument/2006/relationships" xmlns:p="http://schemas.openxmlformats.org/presentationml/2006/main" type="title" preserve="1">
   <p:cSld name="Title Slide">
@@ -1082,7 +1176,7 @@
             <a:fld id="{7DDB771E-4AED-4DD3-8AA1-5D9FD2224F14}" type="datetimeFigureOut">
               <a:rPr lang="en-US" smtClean="0"/>
               <a:pPr/>
-              <a:t>12/26/2019</a:t>
+              <a:t>2/20/2020</a:t>
             </a:fld>
             <a:endParaRPr lang="en-US" dirty="0"/>
           </a:p>
@@ -1249,7 +1343,7 @@
             <a:fld id="{7DDB771E-4AED-4DD3-8AA1-5D9FD2224F14}" type="datetimeFigureOut">
               <a:rPr lang="en-US" smtClean="0"/>
               <a:pPr/>
-              <a:t>12/26/2019</a:t>
+              <a:t>2/20/2020</a:t>
             </a:fld>
             <a:endParaRPr lang="en-US" dirty="0"/>
           </a:p>
@@ -1426,7 +1520,7 @@
             <a:fld id="{7DDB771E-4AED-4DD3-8AA1-5D9FD2224F14}" type="datetimeFigureOut">
               <a:rPr lang="en-US" smtClean="0"/>
               <a:pPr/>
-              <a:t>12/26/2019</a:t>
+              <a:t>2/20/2020</a:t>
             </a:fld>
             <a:endParaRPr lang="en-US" dirty="0"/>
           </a:p>
@@ -1593,7 +1687,7 @@
             <a:fld id="{7DDB771E-4AED-4DD3-8AA1-5D9FD2224F14}" type="datetimeFigureOut">
               <a:rPr lang="en-US" smtClean="0"/>
               <a:pPr/>
-              <a:t>12/26/2019</a:t>
+              <a:t>2/20/2020</a:t>
             </a:fld>
             <a:endParaRPr lang="en-US" dirty="0"/>
           </a:p>
@@ -1836,7 +1930,7 @@
             <a:fld id="{7DDB771E-4AED-4DD3-8AA1-5D9FD2224F14}" type="datetimeFigureOut">
               <a:rPr lang="en-US" smtClean="0"/>
               <a:pPr/>
-              <a:t>12/26/2019</a:t>
+              <a:t>2/20/2020</a:t>
             </a:fld>
             <a:endParaRPr lang="en-US" dirty="0"/>
           </a:p>
@@ -2121,7 +2215,7 @@
             <a:fld id="{7DDB771E-4AED-4DD3-8AA1-5D9FD2224F14}" type="datetimeFigureOut">
               <a:rPr lang="en-US" smtClean="0"/>
               <a:pPr/>
-              <a:t>12/26/2019</a:t>
+              <a:t>2/20/2020</a:t>
             </a:fld>
             <a:endParaRPr lang="en-US" dirty="0"/>
           </a:p>
@@ -2540,7 +2634,7 @@
             <a:fld id="{7DDB771E-4AED-4DD3-8AA1-5D9FD2224F14}" type="datetimeFigureOut">
               <a:rPr lang="en-US" smtClean="0"/>
               <a:pPr/>
-              <a:t>12/26/2019</a:t>
+              <a:t>2/20/2020</a:t>
             </a:fld>
             <a:endParaRPr lang="en-US" dirty="0"/>
           </a:p>
@@ -2655,7 +2749,7 @@
             <a:fld id="{7DDB771E-4AED-4DD3-8AA1-5D9FD2224F14}" type="datetimeFigureOut">
               <a:rPr lang="en-US" smtClean="0"/>
               <a:pPr/>
-              <a:t>12/26/2019</a:t>
+              <a:t>2/20/2020</a:t>
             </a:fld>
             <a:endParaRPr lang="en-US" dirty="0"/>
           </a:p>
@@ -2747,7 +2841,7 @@
             <a:fld id="{7DDB771E-4AED-4DD3-8AA1-5D9FD2224F14}" type="datetimeFigureOut">
               <a:rPr lang="en-US" smtClean="0"/>
               <a:pPr/>
-              <a:t>12/26/2019</a:t>
+              <a:t>2/20/2020</a:t>
             </a:fld>
             <a:endParaRPr lang="en-US" dirty="0"/>
           </a:p>
@@ -3021,7 +3115,7 @@
             <a:fld id="{7DDB771E-4AED-4DD3-8AA1-5D9FD2224F14}" type="datetimeFigureOut">
               <a:rPr lang="en-US" smtClean="0"/>
               <a:pPr/>
-              <a:t>12/26/2019</a:t>
+              <a:t>2/20/2020</a:t>
             </a:fld>
             <a:endParaRPr lang="en-US" dirty="0"/>
           </a:p>
@@ -3271,7 +3365,7 @@
             <a:fld id="{7DDB771E-4AED-4DD3-8AA1-5D9FD2224F14}" type="datetimeFigureOut">
               <a:rPr lang="en-US" smtClean="0"/>
               <a:pPr/>
-              <a:t>12/26/2019</a:t>
+              <a:t>2/20/2020</a:t>
             </a:fld>
             <a:endParaRPr lang="en-US" dirty="0"/>
           </a:p>
@@ -3481,7 +3575,7 @@
             <a:fld id="{7DDB771E-4AED-4DD3-8AA1-5D9FD2224F14}" type="datetimeFigureOut">
               <a:rPr lang="en-US" smtClean="0"/>
               <a:pPr/>
-              <a:t>12/26/2019</a:t>
+              <a:t>2/20/2020</a:t>
             </a:fld>
             <a:endParaRPr lang="en-US" dirty="0"/>
           </a:p>
@@ -3990,15 +4084,7 @@
                 <a:ea typeface="+mj-ea"/>
                 <a:cs typeface="+mj-cs"/>
               </a:rPr>
-              <a:t>AWS Elastic Kubernetes Service (EKS) </a:t>
-            </a:r>
-            <a:r>
-              <a:rPr lang="en-US" sz="4400" dirty="0" smtClean="0">
-                <a:latin typeface="+mj-lt"/>
-                <a:ea typeface="+mj-ea"/>
-                <a:cs typeface="+mj-cs"/>
-              </a:rPr>
-              <a:t>Fargate QuickStart</a:t>
+              <a:t>AWS Elastic Kubernetes Service (EKS) Fargate QuickStart</a:t>
             </a:r>
             <a:endParaRPr kumimoji="0" lang="en-US" sz="4400" b="0" i="0" u="none" strike="noStrike" kern="1200" cap="none" spc="0" normalizeH="0" baseline="0" noProof="0" dirty="0">
               <a:ln>
@@ -4062,7 +4148,7 @@
           <a:p>
             <a:r>
               <a:rPr lang="en-US" dirty="0" smtClean="0"/>
-              <a:t>Conclusions</a:t>
+              <a:t>Notes</a:t>
             </a:r>
             <a:endParaRPr lang="en-US" dirty="0"/>
           </a:p>
@@ -4077,7 +4163,7 @@
         <p:spPr>
           <a:xfrm>
             <a:off x="757367" y="1584186"/>
-            <a:ext cx="7515090" cy="3416320"/>
+            <a:ext cx="7515090" cy="2862322"/>
           </a:xfrm>
           <a:prstGeom prst="rect">
             <a:avLst/>
@@ -4090,138 +4176,121 @@
           </a:bodyPr>
           <a:lstStyle/>
           <a:p>
-            <a:pPr>
+            <a:pPr marL="285750" indent="-285750">
               <a:buFont typeface="Arial" pitchFamily="34" charset="0"/>
               <a:buChar char="•"/>
             </a:pPr>
             <a:r>
               <a:rPr lang="en-US" dirty="0" smtClean="0"/>
-              <a:t>  Cons</a:t>
-            </a:r>
-          </a:p>
-          <a:p>
-            <a:pPr lvl="1">
+              <a:t>Fargate is limited to 100 Nodes per account initially.   This </a:t>
+            </a:r>
+            <a:r>
+              <a:rPr lang="en-US" dirty="0"/>
+              <a:t>limit is adjustable, and </a:t>
+            </a:r>
+            <a:r>
+              <a:rPr lang="en-US" dirty="0" smtClean="0"/>
+              <a:t>you can </a:t>
+            </a:r>
+            <a:r>
+              <a:rPr lang="en-US" dirty="0"/>
+              <a:t>request a Quota increase to a higher value based on the requirement. To increase the limit on the number of pods that be launched via EKS Fargate can you provide the following information. </a:t>
+            </a:r>
+            <a:endParaRPr lang="en-US" dirty="0" smtClean="0"/>
+          </a:p>
+          <a:p>
+            <a:pPr marL="742950" lvl="1" indent="-285750">
               <a:buFont typeface="Arial" pitchFamily="34" charset="0"/>
               <a:buChar char="•"/>
             </a:pPr>
             <a:r>
+              <a:rPr lang="en-US" dirty="0" smtClean="0"/>
+              <a:t>EKS </a:t>
+            </a:r>
+            <a:r>
               <a:rPr lang="en-US" dirty="0"/>
-              <a:t> </a:t>
-            </a:r>
-            <a:r>
-              <a:rPr lang="en-US" dirty="0" smtClean="0"/>
-              <a:t>Unfortunately configuring AWS EKS is still requires a few manual steps right now, not what I would expect for a AWS Managed Service</a:t>
-            </a:r>
-          </a:p>
-          <a:p>
-            <a:pPr lvl="1">
+              <a:t>cluster name and </a:t>
+            </a:r>
+            <a:r>
+              <a:rPr lang="en-US" dirty="0" smtClean="0"/>
+              <a:t>region</a:t>
+            </a:r>
+          </a:p>
+          <a:p>
+            <a:pPr marL="742950" lvl="1" indent="-285750">
               <a:buFont typeface="Arial" pitchFamily="34" charset="0"/>
               <a:buChar char="•"/>
             </a:pPr>
             <a:r>
+              <a:rPr lang="en-US" dirty="0" smtClean="0"/>
+              <a:t>A </a:t>
+            </a:r>
+            <a:r>
               <a:rPr lang="en-US" dirty="0"/>
-              <a:t> </a:t>
-            </a:r>
-            <a:r>
-              <a:rPr lang="en-US" dirty="0" smtClean="0"/>
-              <a:t> We’ve created CloudFormation and EC2 cloud-init scripts to speed the process</a:t>
-            </a:r>
-          </a:p>
-          <a:p>
-            <a:pPr lvl="1">
+              <a:t>small brief on the use case you are trying to </a:t>
+            </a:r>
+            <a:r>
+              <a:rPr lang="en-US" dirty="0" smtClean="0"/>
+              <a:t>achieve</a:t>
+            </a:r>
+          </a:p>
+          <a:p>
+            <a:pPr marL="742950" lvl="1" indent="-285750">
               <a:buFont typeface="Arial" pitchFamily="34" charset="0"/>
               <a:buChar char="•"/>
             </a:pPr>
             <a:r>
+              <a:rPr lang="en-US" dirty="0" smtClean="0"/>
+              <a:t>New </a:t>
+            </a:r>
+            <a:r>
               <a:rPr lang="en-US" dirty="0"/>
-              <a:t> </a:t>
-            </a:r>
-            <a:r>
-              <a:rPr lang="en-US" dirty="0" smtClean="0"/>
-              <a:t> </a:t>
-            </a:r>
-            <a:r>
-              <a:rPr lang="en-US" dirty="0"/>
-              <a:t>AWS Fargate support for Amazon EKS </a:t>
-            </a:r>
-            <a:r>
-              <a:rPr lang="en-US" dirty="0" smtClean="0"/>
-              <a:t>was suppose to be </a:t>
-            </a:r>
-            <a:r>
-              <a:rPr lang="en-US" dirty="0"/>
-              <a:t>available in </a:t>
-            </a:r>
-            <a:r>
-              <a:rPr lang="en-US" dirty="0" smtClean="0"/>
-              <a:t>2018 (still not released as of this date)</a:t>
-            </a:r>
-          </a:p>
-          <a:p>
-            <a:pPr>
+              <a:t>required </a:t>
+            </a:r>
+            <a:r>
+              <a:rPr lang="en-US" dirty="0" smtClean="0"/>
+              <a:t>limit</a:t>
+            </a:r>
+          </a:p>
+          <a:p>
+            <a:pPr marL="742950" lvl="1" indent="-285750">
               <a:buFont typeface="Arial" pitchFamily="34" charset="0"/>
               <a:buChar char="•"/>
             </a:pPr>
             <a:r>
               <a:rPr lang="en-US" dirty="0" smtClean="0"/>
-              <a:t>  Pros</a:t>
-            </a:r>
-          </a:p>
-          <a:p>
-            <a:pPr lvl="1">
+              <a:t>AWS </a:t>
+            </a:r>
+            <a:r>
+              <a:rPr lang="en-US" dirty="0"/>
+              <a:t>account ID</a:t>
+            </a:r>
+            <a:r>
+              <a:rPr lang="en-US" dirty="0" smtClean="0"/>
+              <a:t> </a:t>
+            </a:r>
+          </a:p>
+          <a:p>
+            <a:pPr marL="742950" lvl="1" indent="-285750">
               <a:buFont typeface="Arial" pitchFamily="34" charset="0"/>
               <a:buChar char="•"/>
             </a:pPr>
-            <a:r>
-              <a:rPr lang="en-US" dirty="0"/>
-              <a:t> </a:t>
-            </a:r>
-            <a:r>
-              <a:rPr lang="en-US" dirty="0" smtClean="0"/>
-              <a:t> Provision Kubernetes Masters across AWS Availability Zones</a:t>
-            </a:r>
-          </a:p>
-          <a:p>
-            <a:pPr lvl="1">
+            <a:endParaRPr lang="en-US" dirty="0"/>
+          </a:p>
+          <a:p>
+            <a:pPr marL="285750" indent="-285750">
               <a:buFont typeface="Arial" pitchFamily="34" charset="0"/>
               <a:buChar char="•"/>
             </a:pPr>
             <a:r>
-              <a:rPr lang="en-US" dirty="0"/>
-              <a:t> </a:t>
-            </a:r>
-            <a:r>
-              <a:rPr lang="en-US" dirty="0" smtClean="0"/>
-              <a:t> Simple fast setup and configuration</a:t>
-            </a:r>
-          </a:p>
-          <a:p>
-            <a:pPr lvl="1">
-              <a:buFont typeface="Arial" pitchFamily="34" charset="0"/>
-              <a:buChar char="•"/>
-            </a:pPr>
-            <a:r>
-              <a:rPr lang="en-US" dirty="0"/>
-              <a:t> </a:t>
-            </a:r>
-            <a:r>
-              <a:rPr lang="en-US" dirty="0" smtClean="0"/>
-              <a:t> DevOps oriented</a:t>
-            </a:r>
-          </a:p>
-          <a:p>
-            <a:pPr lvl="1">
-              <a:buFont typeface="Arial" pitchFamily="34" charset="0"/>
-              <a:buChar char="•"/>
-            </a:pPr>
-            <a:r>
-              <a:rPr lang="en-US" dirty="0"/>
-              <a:t> </a:t>
-            </a:r>
-            <a:r>
-              <a:rPr lang="en-US" dirty="0" smtClean="0"/>
-              <a:t> On Demand</a:t>
-            </a:r>
+              <a:rPr lang="en-US" dirty="0" smtClean="0"/>
+              <a:t>When deleting Fargate Profiles you must delete one at a </a:t>
+            </a:r>
+            <a:r>
+              <a:rPr lang="en-US" smtClean="0"/>
+              <a:t>time.</a:t>
+            </a:r>
+            <a:endParaRPr lang="en-US" dirty="0" smtClean="0"/>
           </a:p>
         </p:txBody>
       </p:sp>
@@ -4264,7 +4333,7 @@
       </p:grpSpPr>
       <p:sp>
         <p:nvSpPr>
-          <p:cNvPr id="2" name="Title 1"/>
+          <p:cNvPr id="3" name="Title 1"/>
           <p:cNvSpPr>
             <a:spLocks noGrp="1"/>
           </p:cNvSpPr>
@@ -4279,16 +4348,221 @@
           <a:p>
             <a:r>
               <a:rPr lang="en-US" dirty="0" smtClean="0"/>
-              <a:t>Questions?</a:t>
-            </a:r>
-            <a:endParaRPr lang="en-US" dirty="0"/>
+              <a:t>Conclusions</a:t>
+            </a:r>
+            <a:endParaRPr lang="en-US" dirty="0"/>
+          </a:p>
+        </p:txBody>
+      </p:sp>
+      <p:sp>
+        <p:nvSpPr>
+          <p:cNvPr id="5" name="TextBox 4"/>
+          <p:cNvSpPr txBox="1"/>
+          <p:nvPr/>
+        </p:nvSpPr>
+        <p:spPr>
+          <a:xfrm>
+            <a:off x="757367" y="1584186"/>
+            <a:ext cx="7515090" cy="2862322"/>
+          </a:xfrm>
+          <a:prstGeom prst="rect">
+            <a:avLst/>
+          </a:prstGeom>
+          <a:noFill/>
+        </p:spPr>
+        <p:txBody>
+          <a:bodyPr wrap="square" rtlCol="0">
+            <a:spAutoFit/>
+          </a:bodyPr>
+          <a:lstStyle/>
+          <a:p>
+            <a:pPr>
+              <a:buFont typeface="Arial" pitchFamily="34" charset="0"/>
+              <a:buChar char="•"/>
+            </a:pPr>
+            <a:r>
+              <a:rPr lang="en-US" dirty="0" smtClean="0">
+                <a:solidFill>
+                  <a:prstClr val="black"/>
+                </a:solidFill>
+              </a:rPr>
+              <a:t>  Cons</a:t>
+            </a:r>
+          </a:p>
+          <a:p>
+            <a:pPr lvl="1">
+              <a:buFont typeface="Arial" pitchFamily="34" charset="0"/>
+              <a:buChar char="•"/>
+            </a:pPr>
+            <a:r>
+              <a:rPr lang="en-US" dirty="0">
+                <a:solidFill>
+                  <a:prstClr val="black"/>
+                </a:solidFill>
+              </a:rPr>
+              <a:t> </a:t>
+            </a:r>
+            <a:r>
+              <a:rPr lang="en-US" dirty="0" smtClean="0">
+                <a:solidFill>
+                  <a:prstClr val="black"/>
+                </a:solidFill>
+              </a:rPr>
+              <a:t>Configuring AWS EKS with Fargate requires the use of eksctl right now, not what I would expect for a AWS Managed Service</a:t>
+            </a:r>
+          </a:p>
+          <a:p>
+            <a:pPr lvl="1">
+              <a:buFont typeface="Arial" pitchFamily="34" charset="0"/>
+              <a:buChar char="•"/>
+            </a:pPr>
+            <a:r>
+              <a:rPr lang="en-US" dirty="0">
+                <a:solidFill>
+                  <a:prstClr val="black"/>
+                </a:solidFill>
+              </a:rPr>
+              <a:t> </a:t>
+            </a:r>
+            <a:r>
+              <a:rPr lang="en-US" dirty="0" smtClean="0">
+                <a:solidFill>
+                  <a:prstClr val="black"/>
+                </a:solidFill>
+              </a:rPr>
+              <a:t> Still requires some manual configuration of yaml files</a:t>
+            </a:r>
+          </a:p>
+          <a:p>
+            <a:pPr lvl="1">
+              <a:buFont typeface="Arial" pitchFamily="34" charset="0"/>
+              <a:buChar char="•"/>
+            </a:pPr>
+            <a:r>
+              <a:rPr lang="en-US" dirty="0">
+                <a:solidFill>
+                  <a:prstClr val="black"/>
+                </a:solidFill>
+              </a:rPr>
+              <a:t> </a:t>
+            </a:r>
+            <a:r>
+              <a:rPr lang="en-US" dirty="0" smtClean="0">
+                <a:solidFill>
+                  <a:prstClr val="black"/>
+                </a:solidFill>
+              </a:rPr>
+              <a:t> Created cloud-init and shell scripts to speed the configuration process</a:t>
+            </a:r>
+          </a:p>
+          <a:p>
+            <a:pPr>
+              <a:buFont typeface="Arial" pitchFamily="34" charset="0"/>
+              <a:buChar char="•"/>
+            </a:pPr>
+            <a:r>
+              <a:rPr lang="en-US" dirty="0" smtClean="0">
+                <a:solidFill>
+                  <a:prstClr val="black"/>
+                </a:solidFill>
+              </a:rPr>
+              <a:t>  Pros</a:t>
+            </a:r>
+          </a:p>
+          <a:p>
+            <a:pPr lvl="1">
+              <a:buFont typeface="Arial" pitchFamily="34" charset="0"/>
+              <a:buChar char="•"/>
+            </a:pPr>
+            <a:r>
+              <a:rPr lang="en-US" dirty="0">
+                <a:solidFill>
+                  <a:prstClr val="black"/>
+                </a:solidFill>
+              </a:rPr>
+              <a:t> </a:t>
+            </a:r>
+            <a:r>
+              <a:rPr lang="en-US" dirty="0" smtClean="0">
+                <a:solidFill>
+                  <a:prstClr val="black"/>
+                </a:solidFill>
+              </a:rPr>
+              <a:t> Provision Kubernetes across AWS Availability Zones</a:t>
+            </a:r>
+          </a:p>
+          <a:p>
+            <a:pPr lvl="1">
+              <a:buFont typeface="Arial" pitchFamily="34" charset="0"/>
+              <a:buChar char="•"/>
+            </a:pPr>
+            <a:r>
+              <a:rPr lang="en-US" dirty="0">
+                <a:solidFill>
+                  <a:prstClr val="black"/>
+                </a:solidFill>
+              </a:rPr>
+              <a:t> </a:t>
+            </a:r>
+            <a:r>
+              <a:rPr lang="en-US" dirty="0" smtClean="0">
+                <a:solidFill>
+                  <a:prstClr val="black"/>
+                </a:solidFill>
+              </a:rPr>
+              <a:t> No need to provision node groups</a:t>
+            </a:r>
+          </a:p>
+          <a:p>
+            <a:pPr lvl="1">
+              <a:buFont typeface="Arial" pitchFamily="34" charset="0"/>
+              <a:buChar char="•"/>
+            </a:pPr>
+            <a:r>
+              <a:rPr lang="en-US" dirty="0">
+                <a:solidFill>
+                  <a:prstClr val="black"/>
+                </a:solidFill>
+              </a:rPr>
+              <a:t> </a:t>
+            </a:r>
+            <a:r>
+              <a:rPr lang="en-US" dirty="0" smtClean="0">
+                <a:solidFill>
+                  <a:prstClr val="black"/>
+                </a:solidFill>
+              </a:rPr>
+              <a:t> Scales up and down very quickly</a:t>
+            </a:r>
+          </a:p>
+          <a:p>
+            <a:pPr lvl="1">
+              <a:buFont typeface="Arial" pitchFamily="34" charset="0"/>
+              <a:buChar char="•"/>
+            </a:pPr>
+            <a:r>
+              <a:rPr lang="en-US" dirty="0">
+                <a:solidFill>
+                  <a:prstClr val="black"/>
+                </a:solidFill>
+              </a:rPr>
+              <a:t> </a:t>
+            </a:r>
+            <a:r>
+              <a:rPr lang="en-US" dirty="0" smtClean="0">
+                <a:solidFill>
+                  <a:prstClr val="black"/>
+                </a:solidFill>
+              </a:rPr>
+              <a:t> On Demand</a:t>
+            </a:r>
           </a:p>
         </p:txBody>
       </p:sp>
     </p:spTree>
     <p:extLst>
       <p:ext uri="{BB962C8B-B14F-4D97-AF65-F5344CB8AC3E}">
-        <p14:creationId xmlns:p14="http://schemas.microsoft.com/office/powerpoint/2010/main" val="1733325867"/>
+        <p14:creationId xmlns:p14="http://schemas.microsoft.com/office/powerpoint/2010/main" val="480695935"/>
       </p:ext>
     </p:extLst>
   </p:cSld>
@@ -4324,6 +4598,66 @@
       </p:grpSpPr>
       <p:sp>
         <p:nvSpPr>
+          <p:cNvPr id="2" name="Title 1"/>
+          <p:cNvSpPr>
+            <a:spLocks noGrp="1"/>
+          </p:cNvSpPr>
+          <p:nvPr>
+            <p:ph type="title"/>
+          </p:nvPr>
+        </p:nvSpPr>
+        <p:spPr/>
+        <p:txBody>
+          <a:bodyPr/>
+          <a:lstStyle/>
+          <a:p>
+            <a:r>
+              <a:rPr lang="en-US" dirty="0" smtClean="0"/>
+              <a:t>Questions?</a:t>
+            </a:r>
+            <a:endParaRPr lang="en-US" dirty="0"/>
+          </a:p>
+        </p:txBody>
+      </p:sp>
+    </p:spTree>
+    <p:extLst>
+      <p:ext uri="{BB962C8B-B14F-4D97-AF65-F5344CB8AC3E}">
+        <p14:creationId xmlns:p14="http://schemas.microsoft.com/office/powerpoint/2010/main" val="1733325867"/>
+      </p:ext>
+    </p:extLst>
+  </p:cSld>
+  <p:clrMapOvr>
+    <a:masterClrMapping/>
+  </p:clrMapOvr>
+  <p:timing>
+    <p:tnLst>
+      <p:par>
+        <p:cTn id="1" dur="indefinite" restart="never" nodeType="tmRoot"/>
+      </p:par>
+    </p:tnLst>
+  </p:timing>
+</p:sld>
+</file>
+
+<file path=ppt/slides/slide13.xml><?xml version="1.0" encoding="utf-8"?>
+<p:sld xmlns:a="http://schemas.openxmlformats.org/drawingml/2006/main" xmlns:r="http://schemas.openxmlformats.org/officeDocument/2006/relationships" xmlns:p="http://schemas.openxmlformats.org/presentationml/2006/main">
+  <p:cSld>
+    <p:spTree>
+      <p:nvGrpSpPr>
+        <p:cNvPr id="1" name=""/>
+        <p:cNvGrpSpPr/>
+        <p:nvPr/>
+      </p:nvGrpSpPr>
+      <p:grpSpPr>
+        <a:xfrm>
+          <a:off x="0" y="0"/>
+          <a:ext cx="0" cy="0"/>
+          <a:chOff x="0" y="0"/>
+          <a:chExt cx="0" cy="0"/>
+        </a:xfrm>
+      </p:grpSpPr>
+      <p:sp>
+        <p:nvSpPr>
           <p:cNvPr id="5" name="TextBox 4"/>
           <p:cNvSpPr txBox="1"/>
           <p:nvPr/>
@@ -4331,7 +4665,7 @@
         <p:spPr>
           <a:xfrm>
             <a:off x="606829" y="1371600"/>
-            <a:ext cx="7880466" cy="646331"/>
+            <a:ext cx="7880466" cy="2585323"/>
           </a:xfrm>
           <a:prstGeom prst="rect">
             <a:avLst/>
@@ -4346,13 +4680,8 @@
           <a:p>
             <a:r>
               <a:rPr lang="en-US" dirty="0" smtClean="0"/>
-              <a:t>AWS EKS </a:t>
-            </a:r>
-            <a:r>
-              <a:rPr lang="en-US" dirty="0" smtClean="0"/>
-              <a:t>Fargate QuickStart</a:t>
-            </a:r>
-            <a:endParaRPr lang="en-US" dirty="0" smtClean="0"/>
+              <a:t>AWS EKS Fargate QuickStart</a:t>
+            </a:r>
           </a:p>
           <a:p>
             <a:r>
@@ -4367,6 +4696,33 @@
               <a:rPr lang="en-US" dirty="0" smtClean="0"/>
               <a:t>github.com/kskalvar/aws-eks-cluster-fargate-quickstart</a:t>
             </a:r>
+          </a:p>
+          <a:p>
+            <a:endParaRPr lang="en-US" dirty="0" smtClean="0"/>
+          </a:p>
+          <a:p>
+            <a:r>
+              <a:rPr lang="en-US" dirty="0"/>
+              <a:t>How do I set up the ALB Ingress Controller on an Amazon EKS cluster for Fargate?</a:t>
+            </a:r>
+          </a:p>
+          <a:p>
+            <a:r>
+              <a:rPr lang="en-US" dirty="0"/>
+              <a:t>https://</a:t>
+            </a:r>
+            <a:r>
+              <a:rPr lang="en-US" dirty="0" smtClean="0"/>
+              <a:t>aws.amazon.com/premiumsupport/knowledge-center/eks-alb-ingress-controller-fargate</a:t>
+            </a:r>
+          </a:p>
+          <a:p>
+            <a:endParaRPr lang="en-US" dirty="0"/>
+          </a:p>
+          <a:p>
+            <a:endParaRPr lang="en-US" dirty="0"/>
+          </a:p>
+          <a:p>
             <a:endParaRPr lang="en-US" dirty="0"/>
           </a:p>
         </p:txBody>
@@ -4471,7 +4827,23 @@
                   <a:prstClr val="black"/>
                 </a:solidFill>
               </a:rPr>
-              <a:t> Used Docker for development but quickly realized if you want to do anything serious with containers you need orchestration</a:t>
+              <a:t> Used Docker for development but quickly realized if you want to do anything serious with containers </a:t>
+            </a:r>
+            <a:r>
+              <a:rPr lang="en-US" dirty="0" smtClean="0">
+                <a:solidFill>
+                  <a:prstClr val="black"/>
+                </a:solidFill>
+              </a:rPr>
+              <a:t>in production </a:t>
+            </a:r>
+            <a:r>
+              <a:rPr lang="en-US" dirty="0" smtClean="0">
+                <a:solidFill>
+                  <a:prstClr val="black"/>
+                </a:solidFill>
+              </a:rPr>
+              <a:t>you need orchestration</a:t>
             </a:r>
           </a:p>
           <a:p>
@@ -4513,7 +4885,7 @@
                   <a:prstClr val="black"/>
                 </a:solidFill>
               </a:rPr>
-              <a:t>  Something that could scale</a:t>
+              <a:t>  Something that could scale easily</a:t>
             </a:r>
           </a:p>
           <a:p>
@@ -4944,13 +5316,8 @@
             </a:r>
             <a:r>
               <a:rPr lang="en-US" dirty="0" smtClean="0"/>
-              <a:t>open-source Kubernetes software. Currently </a:t>
-            </a:r>
-            <a:r>
-              <a:rPr lang="en-US" dirty="0" smtClean="0"/>
-              <a:t>1.14</a:t>
-            </a:r>
-            <a:endParaRPr lang="en-US" dirty="0" smtClean="0"/>
+              <a:t>open-source Kubernetes software. Currently 1.14</a:t>
+            </a:r>
           </a:p>
           <a:p>
             <a:endParaRPr lang="en-US" dirty="0" smtClean="0"/>
@@ -5623,17 +5990,16 @@
             </a:pPr>
             <a:r>
               <a:rPr lang="en-US" dirty="0" smtClean="0"/>
-              <a:t>Create AWS </a:t>
+              <a:t>Create an AWS </a:t>
             </a:r>
             <a:r>
               <a:rPr lang="en-US" dirty="0"/>
-              <a:t>EKS Cluster using </a:t>
-            </a:r>
-            <a:r>
-              <a:rPr lang="en-US" dirty="0" smtClean="0"/>
-              <a:t>an AWS CloudFormation  </a:t>
-            </a:r>
-            <a:endParaRPr lang="en-US" dirty="0"/>
+              <a:t>EC2 </a:t>
+            </a:r>
+            <a:r>
+              <a:rPr lang="en-US" dirty="0" smtClean="0"/>
+              <a:t>Instance to act as an EKS Cloud Shell</a:t>
+            </a:r>
           </a:p>
           <a:p>
             <a:pPr marL="285750" indent="-285750">
@@ -5641,16 +6007,12 @@
               <a:buChar char="•"/>
             </a:pPr>
             <a:r>
-              <a:rPr lang="en-US" dirty="0" smtClean="0"/>
-              <a:t>Create Your </a:t>
-            </a:r>
-            <a:r>
               <a:rPr lang="en-US" dirty="0"/>
-              <a:t>AWS EC2 </a:t>
-            </a:r>
-            <a:r>
-              <a:rPr lang="en-US" dirty="0" smtClean="0"/>
-              <a:t>Instance  </a:t>
+              <a:t>Create AWS EKS Cluster using </a:t>
+            </a:r>
+            <a:r>
+              <a:rPr lang="en-US" dirty="0" smtClean="0"/>
+              <a:t>eksctl</a:t>
             </a:r>
             <a:endParaRPr lang="en-US" dirty="0"/>
           </a:p>
@@ -5661,23 +6023,7 @@
             </a:pPr>
             <a:r>
               <a:rPr lang="en-US" dirty="0" smtClean="0"/>
-              <a:t>Configure </a:t>
-            </a:r>
-            <a:r>
-              <a:rPr lang="en-US" dirty="0"/>
-              <a:t>kubectl on </a:t>
-            </a:r>
-            <a:r>
-              <a:rPr lang="en-US" dirty="0" smtClean="0"/>
-              <a:t>your </a:t>
-            </a:r>
-            <a:r>
-              <a:rPr lang="en-US" dirty="0"/>
-              <a:t>EC2 </a:t>
-            </a:r>
-            <a:r>
-              <a:rPr lang="en-US" dirty="0" smtClean="0"/>
-              <a:t>Instance to talk to the cluster</a:t>
+              <a:t>Create a AWS EKS Fargate Profile with a unique Namespace</a:t>
             </a:r>
             <a:endParaRPr lang="en-US" dirty="0"/>
           </a:p>
@@ -5696,7 +6042,7 @@
             </a:r>
             <a:r>
               <a:rPr lang="en-US" dirty="0" smtClean="0"/>
-              <a:t>cluster  </a:t>
+              <a:t>cluster using that Namespace</a:t>
             </a:r>
             <a:endParaRPr lang="en-US" dirty="0"/>
           </a:p>
@@ -5788,7 +6134,7 @@
         <p:spPr>
           <a:xfrm>
             <a:off x="757367" y="1584186"/>
-            <a:ext cx="7515090" cy="2308324"/>
+            <a:ext cx="7515090" cy="2585323"/>
           </a:xfrm>
           <a:prstGeom prst="rect">
             <a:avLst/>
@@ -5807,7 +6153,15 @@
             </a:pPr>
             <a:r>
               <a:rPr lang="en-US" dirty="0" smtClean="0"/>
-              <a:t>  To save time AWS EKS Cluster has already been configured using our AWS CloudFormation scripts and an EC2 instance created with our cloud-init script.</a:t>
+              <a:t>  To save time an AWS EKS Cluster and </a:t>
+            </a:r>
+            <a:r>
+              <a:rPr lang="en-US" dirty="0"/>
+              <a:t>a Fargate Profile created call “</a:t>
+            </a:r>
+            <a:r>
+              <a:rPr lang="en-US" dirty="0" smtClean="0"/>
+              <a:t>web-namespace” has already been configured using eksctl.</a:t>
             </a:r>
           </a:p>
           <a:p>
@@ -5833,12 +6187,8 @@
               <a:buChar char="•"/>
             </a:pPr>
             <a:r>
-              <a:rPr lang="en-US" dirty="0"/>
-              <a:t> </a:t>
-            </a:r>
-            <a:r>
-              <a:rPr lang="en-US" dirty="0" smtClean="0"/>
-              <a:t> Configure kubectl to talk to the cluster</a:t>
+              <a:rPr lang="en-US" dirty="0" smtClean="0"/>
+              <a:t>  Create a deployment and service for a simple webapp</a:t>
             </a:r>
           </a:p>
           <a:p>
@@ -5847,8 +6197,12 @@
               <a:buChar char="•"/>
             </a:pPr>
             <a:r>
-              <a:rPr lang="en-US" dirty="0" smtClean="0"/>
-              <a:t>  Create a deployment and service for a simple webapp</a:t>
+              <a:rPr lang="en-US" dirty="0"/>
+              <a:t> </a:t>
+            </a:r>
+            <a:r>
+              <a:rPr lang="en-US" dirty="0" smtClean="0"/>
+              <a:t> Scale the webapp to show Fargate scaling containers</a:t>
             </a:r>
             <a:endParaRPr lang="en-US" dirty="0"/>
           </a:p>
@@ -5859,7 +6213,7 @@
             </a:pPr>
             <a:r>
               <a:rPr lang="en-US" dirty="0" smtClean="0"/>
-              <a:t>  Show an unique ip as it is load balanced across the webapp containers</a:t>
+              <a:t>  Should see an unique ip as it is load balanced across the webapp containers</a:t>
             </a:r>
           </a:p>
           <a:p>

--- a/slides/AWS-EKS-Cluster-Fargate-Quickstart.pptx
+++ b/slides/AWS-EKS-Cluster-Fargate-Quickstart.pptx
@@ -208,7 +208,7 @@
             <a:fld id="{814910AB-AEF0-414C-82CB-791080B1186B}" type="datetimeFigureOut">
               <a:rPr lang="en-US" smtClean="0"/>
               <a:pPr/>
-              <a:t>2/20/2020</a:t>
+              <a:t>2/21/2020</a:t>
             </a:fld>
             <a:endParaRPr lang="en-US" dirty="0"/>
           </a:p>
@@ -375,7 +375,7 @@
             <a:fld id="{5B4AE38D-E020-46F3-803D-8636C5B7B74E}" type="datetimeFigureOut">
               <a:rPr lang="en-US" smtClean="0"/>
               <a:pPr/>
-              <a:t>2/20/2020</a:t>
+              <a:t>2/21/2020</a:t>
             </a:fld>
             <a:endParaRPr lang="en-US" dirty="0"/>
           </a:p>
@@ -1176,7 +1176,7 @@
             <a:fld id="{7DDB771E-4AED-4DD3-8AA1-5D9FD2224F14}" type="datetimeFigureOut">
               <a:rPr lang="en-US" smtClean="0"/>
               <a:pPr/>
-              <a:t>2/20/2020</a:t>
+              <a:t>2/21/2020</a:t>
             </a:fld>
             <a:endParaRPr lang="en-US" dirty="0"/>
           </a:p>
@@ -1343,7 +1343,7 @@
             <a:fld id="{7DDB771E-4AED-4DD3-8AA1-5D9FD2224F14}" type="datetimeFigureOut">
               <a:rPr lang="en-US" smtClean="0"/>
               <a:pPr/>
-              <a:t>2/20/2020</a:t>
+              <a:t>2/21/2020</a:t>
             </a:fld>
             <a:endParaRPr lang="en-US" dirty="0"/>
           </a:p>
@@ -1520,7 +1520,7 @@
             <a:fld id="{7DDB771E-4AED-4DD3-8AA1-5D9FD2224F14}" type="datetimeFigureOut">
               <a:rPr lang="en-US" smtClean="0"/>
               <a:pPr/>
-              <a:t>2/20/2020</a:t>
+              <a:t>2/21/2020</a:t>
             </a:fld>
             <a:endParaRPr lang="en-US" dirty="0"/>
           </a:p>
@@ -1687,7 +1687,7 @@
             <a:fld id="{7DDB771E-4AED-4DD3-8AA1-5D9FD2224F14}" type="datetimeFigureOut">
               <a:rPr lang="en-US" smtClean="0"/>
               <a:pPr/>
-              <a:t>2/20/2020</a:t>
+              <a:t>2/21/2020</a:t>
             </a:fld>
             <a:endParaRPr lang="en-US" dirty="0"/>
           </a:p>
@@ -1930,7 +1930,7 @@
             <a:fld id="{7DDB771E-4AED-4DD3-8AA1-5D9FD2224F14}" type="datetimeFigureOut">
               <a:rPr lang="en-US" smtClean="0"/>
               <a:pPr/>
-              <a:t>2/20/2020</a:t>
+              <a:t>2/21/2020</a:t>
             </a:fld>
             <a:endParaRPr lang="en-US" dirty="0"/>
           </a:p>
@@ -2215,7 +2215,7 @@
             <a:fld id="{7DDB771E-4AED-4DD3-8AA1-5D9FD2224F14}" type="datetimeFigureOut">
               <a:rPr lang="en-US" smtClean="0"/>
               <a:pPr/>
-              <a:t>2/20/2020</a:t>
+              <a:t>2/21/2020</a:t>
             </a:fld>
             <a:endParaRPr lang="en-US" dirty="0"/>
           </a:p>
@@ -2634,7 +2634,7 @@
             <a:fld id="{7DDB771E-4AED-4DD3-8AA1-5D9FD2224F14}" type="datetimeFigureOut">
               <a:rPr lang="en-US" smtClean="0"/>
               <a:pPr/>
-              <a:t>2/20/2020</a:t>
+              <a:t>2/21/2020</a:t>
             </a:fld>
             <a:endParaRPr lang="en-US" dirty="0"/>
           </a:p>
@@ -2749,7 +2749,7 @@
             <a:fld id="{7DDB771E-4AED-4DD3-8AA1-5D9FD2224F14}" type="datetimeFigureOut">
               <a:rPr lang="en-US" smtClean="0"/>
               <a:pPr/>
-              <a:t>2/20/2020</a:t>
+              <a:t>2/21/2020</a:t>
             </a:fld>
             <a:endParaRPr lang="en-US" dirty="0"/>
           </a:p>
@@ -2841,7 +2841,7 @@
             <a:fld id="{7DDB771E-4AED-4DD3-8AA1-5D9FD2224F14}" type="datetimeFigureOut">
               <a:rPr lang="en-US" smtClean="0"/>
               <a:pPr/>
-              <a:t>2/20/2020</a:t>
+              <a:t>2/21/2020</a:t>
             </a:fld>
             <a:endParaRPr lang="en-US" dirty="0"/>
           </a:p>
@@ -3115,7 +3115,7 @@
             <a:fld id="{7DDB771E-4AED-4DD3-8AA1-5D9FD2224F14}" type="datetimeFigureOut">
               <a:rPr lang="en-US" smtClean="0"/>
               <a:pPr/>
-              <a:t>2/20/2020</a:t>
+              <a:t>2/21/2020</a:t>
             </a:fld>
             <a:endParaRPr lang="en-US" dirty="0"/>
           </a:p>
@@ -3365,7 +3365,7 @@
             <a:fld id="{7DDB771E-4AED-4DD3-8AA1-5D9FD2224F14}" type="datetimeFigureOut">
               <a:rPr lang="en-US" smtClean="0"/>
               <a:pPr/>
-              <a:t>2/20/2020</a:t>
+              <a:t>2/21/2020</a:t>
             </a:fld>
             <a:endParaRPr lang="en-US" dirty="0"/>
           </a:p>
@@ -3575,7 +3575,7 @@
             <a:fld id="{7DDB771E-4AED-4DD3-8AA1-5D9FD2224F14}" type="datetimeFigureOut">
               <a:rPr lang="en-US" smtClean="0"/>
               <a:pPr/>
-              <a:t>2/20/2020</a:t>
+              <a:t>2/21/2020</a:t>
             </a:fld>
             <a:endParaRPr lang="en-US" dirty="0"/>
           </a:p>
@@ -4452,7 +4452,7 @@
                   <a:prstClr val="black"/>
                 </a:solidFill>
               </a:rPr>
-              <a:t> Created cloud-init and shell scripts to speed the configuration process</a:t>
+              <a:t> We used cloud-init and shell scripts to speed the configuration process</a:t>
             </a:r>
           </a:p>
           <a:p>
@@ -4814,7 +4814,7 @@
               <a:buChar char="•"/>
             </a:pPr>
             <a:r>
-              <a:rPr lang="en-US" dirty="0">
+              <a:rPr lang="en-US">
                 <a:solidFill>
                   <a:prstClr val="black"/>
                 </a:solidFill>
@@ -4822,28 +4822,36 @@
               <a:t> </a:t>
             </a:r>
             <a:r>
+              <a:rPr lang="en-US" smtClean="0">
+                <a:solidFill>
+                  <a:prstClr val="black"/>
+                </a:solidFill>
+              </a:rPr>
+              <a:t> </a:t>
+            </a:r>
+            <a:r>
+              <a:rPr lang="en-US" smtClean="0">
+                <a:solidFill>
+                  <a:prstClr val="black"/>
+                </a:solidFill>
+              </a:rPr>
+              <a:t>Use </a:t>
+            </a:r>
+            <a:r>
+              <a:rPr lang="en-US" smtClean="0">
+                <a:solidFill>
+                  <a:prstClr val="black"/>
+                </a:solidFill>
+              </a:rPr>
+              <a:t>Docker </a:t>
+            </a:r>
+            <a:r>
               <a:rPr lang="en-US" dirty="0" smtClean="0">
                 <a:solidFill>
                   <a:prstClr val="black"/>
                 </a:solidFill>
               </a:rPr>
-              <a:t> Used Docker for development but quickly realized if you want to do anything serious with containers </a:t>
-            </a:r>
-            <a:r>
-              <a:rPr lang="en-US" dirty="0" smtClean="0">
-                <a:solidFill>
-                  <a:prstClr val="black"/>
-                </a:solidFill>
-              </a:rPr>
-              <a:t>in production </a:t>
-            </a:r>
-            <a:r>
-              <a:rPr lang="en-US" dirty="0" smtClean="0">
-                <a:solidFill>
-                  <a:prstClr val="black"/>
-                </a:solidFill>
-              </a:rPr>
-              <a:t>you need orchestration</a:t>
+              <a:t>for development but quickly realized if you want to do anything serious with containers in production you need orchestration</a:t>
             </a:r>
           </a:p>
           <a:p>
@@ -5998,7 +6006,7 @@
             </a:r>
             <a:r>
               <a:rPr lang="en-US" dirty="0" smtClean="0"/>
-              <a:t>Instance to act as an EKS Cloud Shell</a:t>
+              <a:t>Instance </a:t>
             </a:r>
           </a:p>
           <a:p>
@@ -6007,12 +6015,16 @@
               <a:buChar char="•"/>
             </a:pPr>
             <a:r>
+              <a:rPr lang="en-US" dirty="0" smtClean="0"/>
+              <a:t>Create </a:t>
+            </a:r>
+            <a:r>
               <a:rPr lang="en-US" dirty="0"/>
-              <a:t>Create AWS EKS Cluster using </a:t>
-            </a:r>
-            <a:r>
-              <a:rPr lang="en-US" dirty="0" smtClean="0"/>
-              <a:t>eksctl</a:t>
+              <a:t>EKS Cluster, IAM Security and ALB Ingress </a:t>
+            </a:r>
+            <a:r>
+              <a:rPr lang="en-US" dirty="0" smtClean="0"/>
+              <a:t>Controller</a:t>
             </a:r>
             <a:endParaRPr lang="en-US" dirty="0"/>
           </a:p>
@@ -6022,10 +6034,13 @@
               <a:buChar char="•"/>
             </a:pPr>
             <a:r>
-              <a:rPr lang="en-US" dirty="0" smtClean="0"/>
-              <a:t>Create a AWS EKS Fargate Profile with a unique Namespace</a:t>
-            </a:r>
-            <a:endParaRPr lang="en-US" dirty="0"/>
+              <a:rPr lang="en-US" dirty="0"/>
+              <a:t>Deploy WebApp to Your </a:t>
+            </a:r>
+            <a:r>
+              <a:rPr lang="en-US" dirty="0" smtClean="0"/>
+              <a:t>Cluster</a:t>
+            </a:r>
           </a:p>
           <a:p>
             <a:pPr marL="285750" indent="-285750">
@@ -6034,39 +6049,23 @@
             </a:pPr>
             <a:r>
               <a:rPr lang="en-US" dirty="0" smtClean="0"/>
-              <a:t>Deploy WebApp </a:t>
+              <a:t>Configure </a:t>
             </a:r>
             <a:r>
               <a:rPr lang="en-US" dirty="0"/>
-              <a:t>to Your </a:t>
-            </a:r>
-            <a:r>
-              <a:rPr lang="en-US" dirty="0" smtClean="0"/>
-              <a:t>cluster using that Namespace</a:t>
-            </a:r>
-            <a:endParaRPr lang="en-US" dirty="0"/>
+              <a:t>the Kubernetes </a:t>
+            </a:r>
+            <a:r>
+              <a:rPr lang="en-US" dirty="0" smtClean="0"/>
+              <a:t>Dashboard (Optional)</a:t>
+            </a:r>
           </a:p>
           <a:p>
             <a:pPr marL="285750" indent="-285750">
               <a:buFont typeface="Arial" pitchFamily="34" charset="0"/>
               <a:buChar char="•"/>
             </a:pPr>
-            <a:r>
-              <a:rPr lang="en-US" dirty="0" smtClean="0"/>
-              <a:t>Configure </a:t>
-            </a:r>
-            <a:r>
-              <a:rPr lang="en-US" dirty="0"/>
-              <a:t>the Kubernetes </a:t>
-            </a:r>
-            <a:r>
-              <a:rPr lang="en-US" dirty="0" smtClean="0"/>
-              <a:t>Dashboard (Optional</a:t>
-            </a:r>
-            <a:r>
-              <a:rPr lang="en-US" dirty="0"/>
-              <a:t>)  </a:t>
-            </a:r>
+            <a:endParaRPr lang="en-US" dirty="0"/>
           </a:p>
         </p:txBody>
       </p:sp>
@@ -6134,7 +6133,7 @@
         <p:spPr>
           <a:xfrm>
             <a:off x="757367" y="1584186"/>
-            <a:ext cx="7515090" cy="2585323"/>
+            <a:ext cx="7515090" cy="2308324"/>
           </a:xfrm>
           <a:prstGeom prst="rect">
             <a:avLst/>
@@ -6157,11 +6156,11 @@
             </a:r>
             <a:r>
               <a:rPr lang="en-US" dirty="0"/>
-              <a:t>a Fargate Profile created call “</a:t>
-            </a:r>
-            <a:r>
-              <a:rPr lang="en-US" dirty="0" smtClean="0"/>
-              <a:t>web-namespace” has already been configured using eksctl.</a:t>
+              <a:t>a Fargate Profile </a:t>
+            </a:r>
+            <a:r>
+              <a:rPr lang="en-US" dirty="0" smtClean="0"/>
+              <a:t>“web-namespace” has already been configured using eksctl.</a:t>
             </a:r>
           </a:p>
           <a:p>
@@ -6213,7 +6212,7 @@
             </a:pPr>
             <a:r>
               <a:rPr lang="en-US" dirty="0" smtClean="0"/>
-              <a:t>  Should see an unique ip as it is load balanced across the webapp containers</a:t>
+              <a:t>  Show an unique ip as it is load balanced across the webapp containers</a:t>
             </a:r>
           </a:p>
           <a:p>

--- a/slides/AWS-EKS-Cluster-Fargate-Quickstart.pptx
+++ b/slides/AWS-EKS-Cluster-Fargate-Quickstart.pptx
@@ -5,10 +5,10 @@
     <p:sldMasterId id="2147483852" r:id="rId1"/>
   </p:sldMasterIdLst>
   <p:notesMasterIdLst>
-    <p:notesMasterId r:id="rId15"/>
+    <p:notesMasterId r:id="rId14"/>
   </p:notesMasterIdLst>
   <p:handoutMasterIdLst>
-    <p:handoutMasterId r:id="rId16"/>
+    <p:handoutMasterId r:id="rId15"/>
   </p:handoutMasterIdLst>
   <p:sldIdLst>
     <p:sldId id="256" r:id="rId2"/>
@@ -17,13 +17,12 @@
     <p:sldId id="270" r:id="rId5"/>
     <p:sldId id="266" r:id="rId6"/>
     <p:sldId id="267" r:id="rId7"/>
-    <p:sldId id="269" r:id="rId8"/>
-    <p:sldId id="262" r:id="rId9"/>
-    <p:sldId id="272" r:id="rId10"/>
-    <p:sldId id="271" r:id="rId11"/>
-    <p:sldId id="274" r:id="rId12"/>
-    <p:sldId id="268" r:id="rId13"/>
-    <p:sldId id="265" r:id="rId14"/>
+    <p:sldId id="262" r:id="rId8"/>
+    <p:sldId id="272" r:id="rId9"/>
+    <p:sldId id="271" r:id="rId10"/>
+    <p:sldId id="274" r:id="rId11"/>
+    <p:sldId id="268" r:id="rId12"/>
+    <p:sldId id="265" r:id="rId13"/>
   </p:sldIdLst>
   <p:sldSz cx="9144000" cy="6858000" type="screen4x3"/>
   <p:notesSz cx="6858000" cy="9144000"/>
@@ -208,7 +207,7 @@
             <a:fld id="{814910AB-AEF0-414C-82CB-791080B1186B}" type="datetimeFigureOut">
               <a:rPr lang="en-US" smtClean="0"/>
               <a:pPr/>
-              <a:t>2/21/2020</a:t>
+              <a:t>2/25/2020</a:t>
             </a:fld>
             <a:endParaRPr lang="en-US" dirty="0"/>
           </a:p>
@@ -375,7 +374,7 @@
             <a:fld id="{5B4AE38D-E020-46F3-803D-8636C5B7B74E}" type="datetimeFigureOut">
               <a:rPr lang="en-US" smtClean="0"/>
               <a:pPr/>
-              <a:t>2/21/2020</a:t>
+              <a:t>2/25/2020</a:t>
             </a:fld>
             <a:endParaRPr lang="en-US" dirty="0"/>
           </a:p>
@@ -717,7 +716,7 @@
             <a:fld id="{74DE7DC8-A302-4EFB-9208-987A80C71CE4}" type="slidenum">
               <a:rPr lang="en-US" smtClean="0"/>
               <a:pPr/>
-              <a:t>8</a:t>
+              <a:t>7</a:t>
             </a:fld>
             <a:endParaRPr lang="en-US" dirty="0"/>
           </a:p>
@@ -802,7 +801,7 @@
             <a:fld id="{74DE7DC8-A302-4EFB-9208-987A80C71CE4}" type="slidenum">
               <a:rPr lang="en-US" smtClean="0"/>
               <a:pPr/>
-              <a:t>9</a:t>
+              <a:t>8</a:t>
             </a:fld>
             <a:endParaRPr lang="en-US" dirty="0"/>
           </a:p>
@@ -887,7 +886,7 @@
             <a:fld id="{74DE7DC8-A302-4EFB-9208-987A80C71CE4}" type="slidenum">
               <a:rPr lang="en-US" smtClean="0"/>
               <a:pPr/>
-              <a:t>10</a:t>
+              <a:t>9</a:t>
             </a:fld>
             <a:endParaRPr lang="en-US" dirty="0"/>
           </a:p>
@@ -976,7 +975,7 @@
                 </a:solidFill>
               </a:rPr>
               <a:pPr/>
-              <a:t>11</a:t>
+              <a:t>10</a:t>
             </a:fld>
             <a:endParaRPr lang="en-US" dirty="0">
               <a:solidFill>
@@ -1176,7 +1175,7 @@
             <a:fld id="{7DDB771E-4AED-4DD3-8AA1-5D9FD2224F14}" type="datetimeFigureOut">
               <a:rPr lang="en-US" smtClean="0"/>
               <a:pPr/>
-              <a:t>2/21/2020</a:t>
+              <a:t>2/25/2020</a:t>
             </a:fld>
             <a:endParaRPr lang="en-US" dirty="0"/>
           </a:p>
@@ -1343,7 +1342,7 @@
             <a:fld id="{7DDB771E-4AED-4DD3-8AA1-5D9FD2224F14}" type="datetimeFigureOut">
               <a:rPr lang="en-US" smtClean="0"/>
               <a:pPr/>
-              <a:t>2/21/2020</a:t>
+              <a:t>2/25/2020</a:t>
             </a:fld>
             <a:endParaRPr lang="en-US" dirty="0"/>
           </a:p>
@@ -1520,7 +1519,7 @@
             <a:fld id="{7DDB771E-4AED-4DD3-8AA1-5D9FD2224F14}" type="datetimeFigureOut">
               <a:rPr lang="en-US" smtClean="0"/>
               <a:pPr/>
-              <a:t>2/21/2020</a:t>
+              <a:t>2/25/2020</a:t>
             </a:fld>
             <a:endParaRPr lang="en-US" dirty="0"/>
           </a:p>
@@ -1687,7 +1686,7 @@
             <a:fld id="{7DDB771E-4AED-4DD3-8AA1-5D9FD2224F14}" type="datetimeFigureOut">
               <a:rPr lang="en-US" smtClean="0"/>
               <a:pPr/>
-              <a:t>2/21/2020</a:t>
+              <a:t>2/25/2020</a:t>
             </a:fld>
             <a:endParaRPr lang="en-US" dirty="0"/>
           </a:p>
@@ -1930,7 +1929,7 @@
             <a:fld id="{7DDB771E-4AED-4DD3-8AA1-5D9FD2224F14}" type="datetimeFigureOut">
               <a:rPr lang="en-US" smtClean="0"/>
               <a:pPr/>
-              <a:t>2/21/2020</a:t>
+              <a:t>2/25/2020</a:t>
             </a:fld>
             <a:endParaRPr lang="en-US" dirty="0"/>
           </a:p>
@@ -2215,7 +2214,7 @@
             <a:fld id="{7DDB771E-4AED-4DD3-8AA1-5D9FD2224F14}" type="datetimeFigureOut">
               <a:rPr lang="en-US" smtClean="0"/>
               <a:pPr/>
-              <a:t>2/21/2020</a:t>
+              <a:t>2/25/2020</a:t>
             </a:fld>
             <a:endParaRPr lang="en-US" dirty="0"/>
           </a:p>
@@ -2634,7 +2633,7 @@
             <a:fld id="{7DDB771E-4AED-4DD3-8AA1-5D9FD2224F14}" type="datetimeFigureOut">
               <a:rPr lang="en-US" smtClean="0"/>
               <a:pPr/>
-              <a:t>2/21/2020</a:t>
+              <a:t>2/25/2020</a:t>
             </a:fld>
             <a:endParaRPr lang="en-US" dirty="0"/>
           </a:p>
@@ -2749,7 +2748,7 @@
             <a:fld id="{7DDB771E-4AED-4DD3-8AA1-5D9FD2224F14}" type="datetimeFigureOut">
               <a:rPr lang="en-US" smtClean="0"/>
               <a:pPr/>
-              <a:t>2/21/2020</a:t>
+              <a:t>2/25/2020</a:t>
             </a:fld>
             <a:endParaRPr lang="en-US" dirty="0"/>
           </a:p>
@@ -2841,7 +2840,7 @@
             <a:fld id="{7DDB771E-4AED-4DD3-8AA1-5D9FD2224F14}" type="datetimeFigureOut">
               <a:rPr lang="en-US" smtClean="0"/>
               <a:pPr/>
-              <a:t>2/21/2020</a:t>
+              <a:t>2/25/2020</a:t>
             </a:fld>
             <a:endParaRPr lang="en-US" dirty="0"/>
           </a:p>
@@ -3115,7 +3114,7 @@
             <a:fld id="{7DDB771E-4AED-4DD3-8AA1-5D9FD2224F14}" type="datetimeFigureOut">
               <a:rPr lang="en-US" smtClean="0"/>
               <a:pPr/>
-              <a:t>2/21/2020</a:t>
+              <a:t>2/25/2020</a:t>
             </a:fld>
             <a:endParaRPr lang="en-US" dirty="0"/>
           </a:p>
@@ -3365,7 +3364,7 @@
             <a:fld id="{7DDB771E-4AED-4DD3-8AA1-5D9FD2224F14}" type="datetimeFigureOut">
               <a:rPr lang="en-US" smtClean="0"/>
               <a:pPr/>
-              <a:t>2/21/2020</a:t>
+              <a:t>2/25/2020</a:t>
             </a:fld>
             <a:endParaRPr lang="en-US" dirty="0"/>
           </a:p>
@@ -3575,7 +3574,7 @@
             <a:fld id="{7DDB771E-4AED-4DD3-8AA1-5D9FD2224F14}" type="datetimeFigureOut">
               <a:rPr lang="en-US" smtClean="0"/>
               <a:pPr/>
-              <a:t>2/21/2020</a:t>
+              <a:t>2/25/2020</a:t>
             </a:fld>
             <a:endParaRPr lang="en-US" dirty="0"/>
           </a:p>
@@ -4148,7 +4147,7 @@
           <a:p>
             <a:r>
               <a:rPr lang="en-US" dirty="0" smtClean="0"/>
-              <a:t>Notes</a:t>
+              <a:t>Conclusions</a:t>
             </a:r>
             <a:endParaRPr lang="en-US" dirty="0"/>
           </a:p>
@@ -4176,128 +4175,206 @@
           </a:bodyPr>
           <a:lstStyle/>
           <a:p>
-            <a:pPr marL="285750" indent="-285750">
+            <a:pPr>
               <a:buFont typeface="Arial" pitchFamily="34" charset="0"/>
               <a:buChar char="•"/>
             </a:pPr>
             <a:r>
-              <a:rPr lang="en-US" dirty="0" smtClean="0"/>
-              <a:t>Fargate is limited to 100 Nodes per account initially.   This </a:t>
-            </a:r>
-            <a:r>
-              <a:rPr lang="en-US" dirty="0"/>
-              <a:t>limit is adjustable, and </a:t>
-            </a:r>
-            <a:r>
-              <a:rPr lang="en-US" dirty="0" smtClean="0"/>
-              <a:t>you can </a:t>
-            </a:r>
-            <a:r>
-              <a:rPr lang="en-US" dirty="0"/>
-              <a:t>request a Quota increase to a higher value based on the requirement. To increase the limit on the number of pods that be launched via EKS Fargate can you provide the following information. </a:t>
-            </a:r>
-            <a:endParaRPr lang="en-US" dirty="0" smtClean="0"/>
-          </a:p>
-          <a:p>
-            <a:pPr marL="742950" lvl="1" indent="-285750">
+              <a:rPr lang="en-US" dirty="0" smtClean="0">
+                <a:solidFill>
+                  <a:prstClr val="black"/>
+                </a:solidFill>
+              </a:rPr>
+              <a:t>  Cons</a:t>
+            </a:r>
+          </a:p>
+          <a:p>
+            <a:pPr lvl="1">
               <a:buFont typeface="Arial" pitchFamily="34" charset="0"/>
               <a:buChar char="•"/>
             </a:pPr>
             <a:r>
-              <a:rPr lang="en-US" dirty="0" smtClean="0"/>
-              <a:t>EKS </a:t>
-            </a:r>
-            <a:r>
-              <a:rPr lang="en-US" dirty="0"/>
-              <a:t>cluster name and </a:t>
-            </a:r>
-            <a:r>
-              <a:rPr lang="en-US" dirty="0" smtClean="0"/>
-              <a:t>region</a:t>
-            </a:r>
-          </a:p>
-          <a:p>
-            <a:pPr marL="742950" lvl="1" indent="-285750">
+              <a:rPr lang="en-US" dirty="0">
+                <a:solidFill>
+                  <a:prstClr val="black"/>
+                </a:solidFill>
+              </a:rPr>
+              <a:t> </a:t>
+            </a:r>
+            <a:r>
+              <a:rPr lang="en-US" dirty="0" smtClean="0">
+                <a:solidFill>
+                  <a:prstClr val="black"/>
+                </a:solidFill>
+              </a:rPr>
+              <a:t>Configuring AWS EKS with Fargate requires the use of eksctl right now, not what I would expect for a AWS Managed Service</a:t>
+            </a:r>
+          </a:p>
+          <a:p>
+            <a:pPr lvl="1">
               <a:buFont typeface="Arial" pitchFamily="34" charset="0"/>
               <a:buChar char="•"/>
             </a:pPr>
             <a:r>
-              <a:rPr lang="en-US" dirty="0" smtClean="0"/>
-              <a:t>A </a:t>
-            </a:r>
-            <a:r>
-              <a:rPr lang="en-US" dirty="0"/>
-              <a:t>small brief on the use case you are trying to </a:t>
-            </a:r>
-            <a:r>
-              <a:rPr lang="en-US" dirty="0" smtClean="0"/>
-              <a:t>achieve</a:t>
-            </a:r>
-          </a:p>
-          <a:p>
-            <a:pPr marL="742950" lvl="1" indent="-285750">
+              <a:rPr lang="en-US" dirty="0">
+                <a:solidFill>
+                  <a:prstClr val="black"/>
+                </a:solidFill>
+              </a:rPr>
+              <a:t> </a:t>
+            </a:r>
+            <a:r>
+              <a:rPr lang="en-US" dirty="0" smtClean="0">
+                <a:solidFill>
+                  <a:prstClr val="black"/>
+                </a:solidFill>
+              </a:rPr>
+              <a:t> Still requires some manual configuration of yaml files</a:t>
+            </a:r>
+          </a:p>
+          <a:p>
+            <a:pPr lvl="1">
               <a:buFont typeface="Arial" pitchFamily="34" charset="0"/>
               <a:buChar char="•"/>
             </a:pPr>
             <a:r>
-              <a:rPr lang="en-US" dirty="0" smtClean="0"/>
-              <a:t>New </a:t>
-            </a:r>
-            <a:r>
-              <a:rPr lang="en-US" dirty="0"/>
-              <a:t>required </a:t>
-            </a:r>
-            <a:r>
-              <a:rPr lang="en-US" dirty="0" smtClean="0"/>
-              <a:t>limit</a:t>
-            </a:r>
-          </a:p>
-          <a:p>
-            <a:pPr marL="742950" lvl="1" indent="-285750">
+              <a:rPr lang="en-US" dirty="0">
+                <a:solidFill>
+                  <a:prstClr val="black"/>
+                </a:solidFill>
+              </a:rPr>
+              <a:t> </a:t>
+            </a:r>
+            <a:r>
+              <a:rPr lang="en-US" dirty="0" smtClean="0">
+                <a:solidFill>
+                  <a:prstClr val="black"/>
+                </a:solidFill>
+              </a:rPr>
+              <a:t> We used cloud-init and shell scripts to speed the configuration </a:t>
+            </a:r>
+            <a:r>
+              <a:rPr lang="en-US" dirty="0" smtClean="0">
+                <a:solidFill>
+                  <a:prstClr val="black"/>
+                </a:solidFill>
+              </a:rPr>
+              <a:t>process</a:t>
+            </a:r>
+            <a:endParaRPr lang="en-US" dirty="0" smtClean="0">
+              <a:solidFill>
+                <a:prstClr val="black"/>
+              </a:solidFill>
+            </a:endParaRPr>
+          </a:p>
+          <a:p>
+            <a:pPr>
               <a:buFont typeface="Arial" pitchFamily="34" charset="0"/>
               <a:buChar char="•"/>
             </a:pPr>
             <a:r>
-              <a:rPr lang="en-US" dirty="0" smtClean="0"/>
-              <a:t>AWS </a:t>
-            </a:r>
-            <a:r>
-              <a:rPr lang="en-US" dirty="0"/>
-              <a:t>account ID</a:t>
-            </a:r>
-            <a:r>
-              <a:rPr lang="en-US" dirty="0" smtClean="0"/>
-              <a:t> </a:t>
-            </a:r>
-          </a:p>
-          <a:p>
-            <a:pPr marL="742950" lvl="1" indent="-285750">
+              <a:rPr lang="en-US" dirty="0" smtClean="0">
+                <a:solidFill>
+                  <a:prstClr val="black"/>
+                </a:solidFill>
+              </a:rPr>
+              <a:t>  Pros</a:t>
+            </a:r>
+          </a:p>
+          <a:p>
+            <a:pPr lvl="1">
               <a:buFont typeface="Arial" pitchFamily="34" charset="0"/>
               <a:buChar char="•"/>
             </a:pPr>
-            <a:endParaRPr lang="en-US" dirty="0"/>
-          </a:p>
-          <a:p>
-            <a:pPr marL="285750" indent="-285750">
+            <a:r>
+              <a:rPr lang="en-US" dirty="0">
+                <a:solidFill>
+                  <a:prstClr val="black"/>
+                </a:solidFill>
+              </a:rPr>
+              <a:t> </a:t>
+            </a:r>
+            <a:r>
+              <a:rPr lang="en-US" dirty="0" smtClean="0">
+                <a:solidFill>
+                  <a:prstClr val="black"/>
+                </a:solidFill>
+              </a:rPr>
+              <a:t> Provision Kubernetes across AWS Availability Zones</a:t>
+            </a:r>
+          </a:p>
+          <a:p>
+            <a:pPr lvl="1">
               <a:buFont typeface="Arial" pitchFamily="34" charset="0"/>
               <a:buChar char="•"/>
             </a:pPr>
             <a:r>
-              <a:rPr lang="en-US" dirty="0" smtClean="0"/>
-              <a:t>When deleting Fargate Profiles you must delete one at a </a:t>
-            </a:r>
-            <a:r>
-              <a:rPr lang="en-US" smtClean="0"/>
-              <a:t>time.</a:t>
-            </a:r>
-            <a:endParaRPr lang="en-US" dirty="0" smtClean="0"/>
+              <a:rPr lang="en-US" dirty="0">
+                <a:solidFill>
+                  <a:prstClr val="black"/>
+                </a:solidFill>
+              </a:rPr>
+              <a:t> </a:t>
+            </a:r>
+            <a:r>
+              <a:rPr lang="en-US" dirty="0" smtClean="0">
+                <a:solidFill>
+                  <a:prstClr val="black"/>
+                </a:solidFill>
+              </a:rPr>
+              <a:t> No need to provision node groups</a:t>
+            </a:r>
+          </a:p>
+          <a:p>
+            <a:pPr lvl="1">
+              <a:buFont typeface="Arial" pitchFamily="34" charset="0"/>
+              <a:buChar char="•"/>
+            </a:pPr>
+            <a:r>
+              <a:rPr lang="en-US" dirty="0">
+                <a:solidFill>
+                  <a:prstClr val="black"/>
+                </a:solidFill>
+              </a:rPr>
+              <a:t> </a:t>
+            </a:r>
+            <a:r>
+              <a:rPr lang="en-US" dirty="0" smtClean="0">
+                <a:solidFill>
+                  <a:prstClr val="black"/>
+                </a:solidFill>
+              </a:rPr>
+              <a:t> Scales up and down very quickly</a:t>
+            </a:r>
+          </a:p>
+          <a:p>
+            <a:pPr lvl="1">
+              <a:buFont typeface="Arial" pitchFamily="34" charset="0"/>
+              <a:buChar char="•"/>
+            </a:pPr>
+            <a:r>
+              <a:rPr lang="en-US" dirty="0">
+                <a:solidFill>
+                  <a:prstClr val="black"/>
+                </a:solidFill>
+              </a:rPr>
+              <a:t> </a:t>
+            </a:r>
+            <a:r>
+              <a:rPr lang="en-US" dirty="0" smtClean="0">
+                <a:solidFill>
+                  <a:prstClr val="black"/>
+                </a:solidFill>
+              </a:rPr>
+              <a:t> On Demand</a:t>
+            </a:r>
           </a:p>
         </p:txBody>
       </p:sp>
     </p:spTree>
     <p:extLst>
       <p:ext uri="{BB962C8B-B14F-4D97-AF65-F5344CB8AC3E}">
-        <p14:creationId xmlns:p14="http://schemas.microsoft.com/office/powerpoint/2010/main" val="1236400761"/>
+        <p14:creationId xmlns:p14="http://schemas.microsoft.com/office/powerpoint/2010/main" val="480695935"/>
       </p:ext>
     </p:extLst>
   </p:cSld>
@@ -4333,7 +4410,7 @@
       </p:grpSpPr>
       <p:sp>
         <p:nvSpPr>
-          <p:cNvPr id="3" name="Title 1"/>
+          <p:cNvPr id="2" name="Title 1"/>
           <p:cNvSpPr>
             <a:spLocks noGrp="1"/>
           </p:cNvSpPr>
@@ -4348,221 +4425,16 @@
           <a:p>
             <a:r>
               <a:rPr lang="en-US" dirty="0" smtClean="0"/>
-              <a:t>Conclusions</a:t>
-            </a:r>
-            <a:endParaRPr lang="en-US" dirty="0"/>
-          </a:p>
-        </p:txBody>
-      </p:sp>
-      <p:sp>
-        <p:nvSpPr>
-          <p:cNvPr id="5" name="TextBox 4"/>
-          <p:cNvSpPr txBox="1"/>
-          <p:nvPr/>
-        </p:nvSpPr>
-        <p:spPr>
-          <a:xfrm>
-            <a:off x="757367" y="1584186"/>
-            <a:ext cx="7515090" cy="2862322"/>
-          </a:xfrm>
-          <a:prstGeom prst="rect">
-            <a:avLst/>
-          </a:prstGeom>
-          <a:noFill/>
-        </p:spPr>
-        <p:txBody>
-          <a:bodyPr wrap="square" rtlCol="0">
-            <a:spAutoFit/>
-          </a:bodyPr>
-          <a:lstStyle/>
-          <a:p>
-            <a:pPr>
-              <a:buFont typeface="Arial" pitchFamily="34" charset="0"/>
-              <a:buChar char="•"/>
-            </a:pPr>
-            <a:r>
-              <a:rPr lang="en-US" dirty="0" smtClean="0">
-                <a:solidFill>
-                  <a:prstClr val="black"/>
-                </a:solidFill>
-              </a:rPr>
-              <a:t>  Cons</a:t>
-            </a:r>
-          </a:p>
-          <a:p>
-            <a:pPr lvl="1">
-              <a:buFont typeface="Arial" pitchFamily="34" charset="0"/>
-              <a:buChar char="•"/>
-            </a:pPr>
-            <a:r>
-              <a:rPr lang="en-US" dirty="0">
-                <a:solidFill>
-                  <a:prstClr val="black"/>
-                </a:solidFill>
-              </a:rPr>
-              <a:t> </a:t>
-            </a:r>
-            <a:r>
-              <a:rPr lang="en-US" dirty="0" smtClean="0">
-                <a:solidFill>
-                  <a:prstClr val="black"/>
-                </a:solidFill>
-              </a:rPr>
-              <a:t>Configuring AWS EKS with Fargate requires the use of eksctl right now, not what I would expect for a AWS Managed Service</a:t>
-            </a:r>
-          </a:p>
-          <a:p>
-            <a:pPr lvl="1">
-              <a:buFont typeface="Arial" pitchFamily="34" charset="0"/>
-              <a:buChar char="•"/>
-            </a:pPr>
-            <a:r>
-              <a:rPr lang="en-US" dirty="0">
-                <a:solidFill>
-                  <a:prstClr val="black"/>
-                </a:solidFill>
-              </a:rPr>
-              <a:t> </a:t>
-            </a:r>
-            <a:r>
-              <a:rPr lang="en-US" dirty="0" smtClean="0">
-                <a:solidFill>
-                  <a:prstClr val="black"/>
-                </a:solidFill>
-              </a:rPr>
-              <a:t> Still requires some manual configuration of yaml files</a:t>
-            </a:r>
-          </a:p>
-          <a:p>
-            <a:pPr lvl="1">
-              <a:buFont typeface="Arial" pitchFamily="34" charset="0"/>
-              <a:buChar char="•"/>
-            </a:pPr>
-            <a:r>
-              <a:rPr lang="en-US" dirty="0">
-                <a:solidFill>
-                  <a:prstClr val="black"/>
-                </a:solidFill>
-              </a:rPr>
-              <a:t> </a:t>
-            </a:r>
-            <a:r>
-              <a:rPr lang="en-US" dirty="0" smtClean="0">
-                <a:solidFill>
-                  <a:prstClr val="black"/>
-                </a:solidFill>
-              </a:rPr>
-              <a:t> We used cloud-init and shell scripts to speed the configuration process</a:t>
-            </a:r>
-          </a:p>
-          <a:p>
-            <a:pPr>
-              <a:buFont typeface="Arial" pitchFamily="34" charset="0"/>
-              <a:buChar char="•"/>
-            </a:pPr>
-            <a:r>
-              <a:rPr lang="en-US" dirty="0" smtClean="0">
-                <a:solidFill>
-                  <a:prstClr val="black"/>
-                </a:solidFill>
-              </a:rPr>
-              <a:t>  Pros</a:t>
-            </a:r>
-          </a:p>
-          <a:p>
-            <a:pPr lvl="1">
-              <a:buFont typeface="Arial" pitchFamily="34" charset="0"/>
-              <a:buChar char="•"/>
-            </a:pPr>
-            <a:r>
-              <a:rPr lang="en-US" dirty="0">
-                <a:solidFill>
-                  <a:prstClr val="black"/>
-                </a:solidFill>
-              </a:rPr>
-              <a:t> </a:t>
-            </a:r>
-            <a:r>
-              <a:rPr lang="en-US" dirty="0" smtClean="0">
-                <a:solidFill>
-                  <a:prstClr val="black"/>
-                </a:solidFill>
-              </a:rPr>
-              <a:t> Provision Kubernetes across AWS Availability Zones</a:t>
-            </a:r>
-          </a:p>
-          <a:p>
-            <a:pPr lvl="1">
-              <a:buFont typeface="Arial" pitchFamily="34" charset="0"/>
-              <a:buChar char="•"/>
-            </a:pPr>
-            <a:r>
-              <a:rPr lang="en-US" dirty="0">
-                <a:solidFill>
-                  <a:prstClr val="black"/>
-                </a:solidFill>
-              </a:rPr>
-              <a:t> </a:t>
-            </a:r>
-            <a:r>
-              <a:rPr lang="en-US" dirty="0" smtClean="0">
-                <a:solidFill>
-                  <a:prstClr val="black"/>
-                </a:solidFill>
-              </a:rPr>
-              <a:t> No need to provision node groups</a:t>
-            </a:r>
-          </a:p>
-          <a:p>
-            <a:pPr lvl="1">
-              <a:buFont typeface="Arial" pitchFamily="34" charset="0"/>
-              <a:buChar char="•"/>
-            </a:pPr>
-            <a:r>
-              <a:rPr lang="en-US" dirty="0">
-                <a:solidFill>
-                  <a:prstClr val="black"/>
-                </a:solidFill>
-              </a:rPr>
-              <a:t> </a:t>
-            </a:r>
-            <a:r>
-              <a:rPr lang="en-US" dirty="0" smtClean="0">
-                <a:solidFill>
-                  <a:prstClr val="black"/>
-                </a:solidFill>
-              </a:rPr>
-              <a:t> Scales up and down very quickly</a:t>
-            </a:r>
-          </a:p>
-          <a:p>
-            <a:pPr lvl="1">
-              <a:buFont typeface="Arial" pitchFamily="34" charset="0"/>
-              <a:buChar char="•"/>
-            </a:pPr>
-            <a:r>
-              <a:rPr lang="en-US" dirty="0">
-                <a:solidFill>
-                  <a:prstClr val="black"/>
-                </a:solidFill>
-              </a:rPr>
-              <a:t> </a:t>
-            </a:r>
-            <a:r>
-              <a:rPr lang="en-US" dirty="0" smtClean="0">
-                <a:solidFill>
-                  <a:prstClr val="black"/>
-                </a:solidFill>
-              </a:rPr>
-              <a:t> On Demand</a:t>
-            </a:r>
+              <a:t>Questions?</a:t>
+            </a:r>
+            <a:endParaRPr lang="en-US" dirty="0"/>
           </a:p>
         </p:txBody>
       </p:sp>
     </p:spTree>
     <p:extLst>
       <p:ext uri="{BB962C8B-B14F-4D97-AF65-F5344CB8AC3E}">
-        <p14:creationId xmlns:p14="http://schemas.microsoft.com/office/powerpoint/2010/main" val="480695935"/>
+        <p14:creationId xmlns:p14="http://schemas.microsoft.com/office/powerpoint/2010/main" val="1733325867"/>
       </p:ext>
     </p:extLst>
   </p:cSld>
@@ -4598,66 +4470,6 @@
       </p:grpSpPr>
       <p:sp>
         <p:nvSpPr>
-          <p:cNvPr id="2" name="Title 1"/>
-          <p:cNvSpPr>
-            <a:spLocks noGrp="1"/>
-          </p:cNvSpPr>
-          <p:nvPr>
-            <p:ph type="title"/>
-          </p:nvPr>
-        </p:nvSpPr>
-        <p:spPr/>
-        <p:txBody>
-          <a:bodyPr/>
-          <a:lstStyle/>
-          <a:p>
-            <a:r>
-              <a:rPr lang="en-US" dirty="0" smtClean="0"/>
-              <a:t>Questions?</a:t>
-            </a:r>
-            <a:endParaRPr lang="en-US" dirty="0"/>
-          </a:p>
-        </p:txBody>
-      </p:sp>
-    </p:spTree>
-    <p:extLst>
-      <p:ext uri="{BB962C8B-B14F-4D97-AF65-F5344CB8AC3E}">
-        <p14:creationId xmlns:p14="http://schemas.microsoft.com/office/powerpoint/2010/main" val="1733325867"/>
-      </p:ext>
-    </p:extLst>
-  </p:cSld>
-  <p:clrMapOvr>
-    <a:masterClrMapping/>
-  </p:clrMapOvr>
-  <p:timing>
-    <p:tnLst>
-      <p:par>
-        <p:cTn id="1" dur="indefinite" restart="never" nodeType="tmRoot"/>
-      </p:par>
-    </p:tnLst>
-  </p:timing>
-</p:sld>
-</file>
-
-<file path=ppt/slides/slide13.xml><?xml version="1.0" encoding="utf-8"?>
-<p:sld xmlns:a="http://schemas.openxmlformats.org/drawingml/2006/main" xmlns:r="http://schemas.openxmlformats.org/officeDocument/2006/relationships" xmlns:p="http://schemas.openxmlformats.org/presentationml/2006/main">
-  <p:cSld>
-    <p:spTree>
-      <p:nvGrpSpPr>
-        <p:cNvPr id="1" name=""/>
-        <p:cNvGrpSpPr/>
-        <p:nvPr/>
-      </p:nvGrpSpPr>
-      <p:grpSpPr>
-        <a:xfrm>
-          <a:off x="0" y="0"/>
-          <a:ext cx="0" cy="0"/>
-          <a:chOff x="0" y="0"/>
-          <a:chExt cx="0" cy="0"/>
-        </a:xfrm>
-      </p:grpSpPr>
-      <p:sp>
-        <p:nvSpPr>
           <p:cNvPr id="5" name="TextBox 4"/>
           <p:cNvSpPr txBox="1"/>
           <p:nvPr/>
@@ -4827,23 +4639,7 @@
                   <a:prstClr val="black"/>
                 </a:solidFill>
               </a:rPr>
-              <a:t> </a:t>
-            </a:r>
-            <a:r>
-              <a:rPr lang="en-US" smtClean="0">
-                <a:solidFill>
-                  <a:prstClr val="black"/>
-                </a:solidFill>
-              </a:rPr>
-              <a:t>Use </a:t>
-            </a:r>
-            <a:r>
-              <a:rPr lang="en-US" smtClean="0">
-                <a:solidFill>
-                  <a:prstClr val="black"/>
-                </a:solidFill>
-              </a:rPr>
-              <a:t>Docker </a:t>
+              <a:t> Use Docker </a:t>
             </a:r>
             <a:r>
               <a:rPr lang="en-US" dirty="0" smtClean="0">
@@ -5399,7 +5195,11 @@
           <a:p>
             <a:r>
               <a:rPr lang="en-US" dirty="0" smtClean="0"/>
-              <a:t>Why AWS EKS?</a:t>
+              <a:t>Why AWS </a:t>
+            </a:r>
+            <a:r>
+              <a:rPr lang="en-US" dirty="0" smtClean="0"/>
+              <a:t>EKS Fargate?</a:t>
             </a:r>
             <a:endParaRPr lang="en-US" dirty="0"/>
           </a:p>
@@ -5476,7 +5276,7 @@
         <p:spPr>
           <a:xfrm>
             <a:off x="1263242" y="1572798"/>
-            <a:ext cx="6705600" cy="3416320"/>
+            <a:ext cx="6705600" cy="1754326"/>
           </a:xfrm>
           <a:prstGeom prst="rect">
             <a:avLst/>
@@ -5517,57 +5317,6 @@
             <a:r>
               <a:rPr lang="en-US" dirty="0" smtClean="0"/>
               <a:t>and AWS CLI version 1.15.x or greater</a:t>
-            </a:r>
-          </a:p>
-          <a:p>
-            <a:pPr>
-              <a:buFont typeface="Arial" pitchFamily="34" charset="0"/>
-              <a:buChar char="•"/>
-            </a:pPr>
-            <a:endParaRPr lang="en-US" dirty="0" smtClean="0"/>
-          </a:p>
-          <a:p>
-            <a:pPr>
-              <a:buFont typeface="Arial" pitchFamily="34" charset="0"/>
-              <a:buChar char="•"/>
-            </a:pPr>
-            <a:r>
-              <a:rPr lang="en-US" dirty="0" smtClean="0"/>
-              <a:t>  Required Cluster Resources (Customer Responsibility)</a:t>
-            </a:r>
-          </a:p>
-          <a:p>
-            <a:pPr lvl="1">
-              <a:buFont typeface="Arial" pitchFamily="34" charset="0"/>
-              <a:buChar char="•"/>
-            </a:pPr>
-            <a:r>
-              <a:rPr lang="en-US" dirty="0" smtClean="0"/>
-              <a:t>  A Service Role  </a:t>
-            </a:r>
-          </a:p>
-          <a:p>
-            <a:pPr lvl="1">
-              <a:buFont typeface="Arial" pitchFamily="34" charset="0"/>
-              <a:buChar char="•"/>
-            </a:pPr>
-            <a:r>
-              <a:rPr lang="en-US" dirty="0" smtClean="0"/>
-              <a:t>  A VPC  </a:t>
-            </a:r>
-          </a:p>
-          <a:p>
-            <a:pPr lvl="1">
-              <a:buFont typeface="Arial" pitchFamily="34" charset="0"/>
-              <a:buChar char="•"/>
-            </a:pPr>
-            <a:r>
-              <a:rPr lang="en-US" dirty="0"/>
-              <a:t> </a:t>
-            </a:r>
-            <a:r>
-              <a:rPr lang="en-US" dirty="0" smtClean="0"/>
-              <a:t> And three EC2 worker nodes (one for each AWS Availability Zone)</a:t>
             </a:r>
           </a:p>
           <a:p>
@@ -5653,9 +5402,9 @@
       </p:sp>
       <p:pic>
         <p:nvPicPr>
-          <p:cNvPr id="1028" name="Picture 4"/>
+          <p:cNvPr id="2" name="Picture 1"/>
           <p:cNvPicPr>
-            <a:picLocks noChangeAspect="1" noChangeArrowheads="1"/>
+            <a:picLocks noChangeAspect="1"/>
           </p:cNvPicPr>
           <p:nvPr/>
         </p:nvPicPr>
@@ -5667,118 +5416,58 @@
               </a:ext>
             </a:extLst>
           </a:blip>
-          <a:srcRect/>
           <a:stretch>
             <a:fillRect/>
           </a:stretch>
         </p:blipFill>
-        <p:spPr bwMode="auto">
+        <p:spPr>
           <a:xfrm>
-            <a:off x="291313" y="1561229"/>
-            <a:ext cx="8569466" cy="5138442"/>
+            <a:off x="336567" y="1393499"/>
+            <a:ext cx="8564171" cy="5134692"/>
+          </a:xfrm>
+          <a:prstGeom prst="rect">
+            <a:avLst/>
+          </a:prstGeom>
+        </p:spPr>
+      </p:pic>
+      <p:sp>
+        <p:nvSpPr>
+          <p:cNvPr id="4" name="TextBox 3"/>
+          <p:cNvSpPr txBox="1"/>
+          <p:nvPr/>
+        </p:nvSpPr>
+        <p:spPr>
+          <a:xfrm>
+            <a:off x="494522" y="1681610"/>
+            <a:ext cx="2759730" cy="461665"/>
           </a:xfrm>
           <a:prstGeom prst="rect">
             <a:avLst/>
           </a:prstGeom>
           <a:noFill/>
-          <a:ln>
-            <a:noFill/>
-          </a:ln>
-          <a:effectLst/>
-          <a:extLst>
-            <a:ext uri="{909E8E84-426E-40DD-AFC4-6F175D3DCCD1}">
-              <a14:hiddenFill xmlns:a14="http://schemas.microsoft.com/office/drawing/2010/main">
+        </p:spPr>
+        <p:txBody>
+          <a:bodyPr wrap="none" rtlCol="0">
+            <a:spAutoFit/>
+          </a:bodyPr>
+          <a:lstStyle/>
+          <a:p>
+            <a:r>
+              <a:rPr lang="en-US" sz="2400" b="1" dirty="0" smtClean="0">
                 <a:solidFill>
-                  <a:schemeClr val="accent1"/>
+                  <a:schemeClr val="bg1"/>
                 </a:solidFill>
-              </a14:hiddenFill>
-            </a:ext>
-            <a:ext uri="{91240B29-F687-4F45-9708-019B960494DF}">
-              <a14:hiddenLine xmlns:a14="http://schemas.microsoft.com/office/drawing/2010/main" w="9525">
-                <a:solidFill>
-                  <a:schemeClr val="tx1"/>
-                </a:solidFill>
-                <a:miter lim="800000"/>
-                <a:headEnd/>
-                <a:tailEnd/>
-              </a14:hiddenLine>
-            </a:ext>
-            <a:ext uri="{AF507438-7753-43E0-B8FC-AC1667EBCBE1}">
-              <a14:hiddenEffects xmlns:a14="http://schemas.microsoft.com/office/drawing/2010/main">
-                <a:effectLst>
-                  <a:outerShdw dist="35921" dir="2700000" algn="ctr" rotWithShape="0">
-                    <a:schemeClr val="bg2"/>
-                  </a:outerShdw>
-                </a:effectLst>
-              </a14:hiddenEffects>
-            </a:ext>
-          </a:extLst>
-        </p:spPr>
-      </p:pic>
-      <p:pic>
-        <p:nvPicPr>
-          <p:cNvPr id="1026" name="Picture 2"/>
-          <p:cNvPicPr>
-            <a:picLocks noChangeAspect="1" noChangeArrowheads="1"/>
-          </p:cNvPicPr>
-          <p:nvPr/>
-        </p:nvPicPr>
-        <p:blipFill>
-          <a:blip r:embed="rId3">
-            <a:extLst>
-              <a:ext uri="{28A0092B-C50C-407E-A947-70E740481C1C}">
-                <a14:useLocalDpi xmlns:a14="http://schemas.microsoft.com/office/drawing/2010/main" val="0"/>
-              </a:ext>
-            </a:extLst>
-          </a:blip>
-          <a:srcRect/>
-          <a:stretch>
-            <a:fillRect/>
-          </a:stretch>
-        </p:blipFill>
-        <p:spPr bwMode="auto">
-          <a:xfrm>
-            <a:off x="361697" y="1690941"/>
-            <a:ext cx="2076450" cy="676275"/>
-          </a:xfrm>
-          <a:prstGeom prst="rect">
-            <a:avLst/>
-          </a:prstGeom>
-          <a:noFill/>
-          <a:ln>
-            <a:noFill/>
-          </a:ln>
-          <a:effectLst/>
-          <a:extLst>
-            <a:ext uri="{909E8E84-426E-40DD-AFC4-6F175D3DCCD1}">
-              <a14:hiddenFill xmlns:a14="http://schemas.microsoft.com/office/drawing/2010/main">
-                <a:solidFill>
-                  <a:schemeClr val="accent1"/>
-                </a:solidFill>
-              </a14:hiddenFill>
-            </a:ext>
-            <a:ext uri="{91240B29-F687-4F45-9708-019B960494DF}">
-              <a14:hiddenLine xmlns:a14="http://schemas.microsoft.com/office/drawing/2010/main" w="9525">
-                <a:solidFill>
-                  <a:schemeClr val="tx1"/>
-                </a:solidFill>
-                <a:miter lim="800000"/>
-                <a:headEnd/>
-                <a:tailEnd/>
-              </a14:hiddenLine>
-            </a:ext>
-            <a:ext uri="{AF507438-7753-43E0-B8FC-AC1667EBCBE1}">
-              <a14:hiddenEffects xmlns:a14="http://schemas.microsoft.com/office/drawing/2010/main">
-                <a:effectLst>
-                  <a:outerShdw dist="35921" dir="2700000" algn="ctr" rotWithShape="0">
-                    <a:schemeClr val="bg2"/>
-                  </a:outerShdw>
-                </a:effectLst>
-              </a14:hiddenEffects>
-            </a:ext>
-          </a:extLst>
-        </p:spPr>
-      </p:pic>
+              </a:rPr>
+              <a:t>Amazon EKS Fargate</a:t>
+            </a:r>
+            <a:endParaRPr lang="en-US" sz="2400" b="1" dirty="0">
+              <a:solidFill>
+                <a:schemeClr val="bg1"/>
+              </a:solidFill>
+            </a:endParaRPr>
+          </a:p>
+        </p:txBody>
+      </p:sp>
     </p:spTree>
     <p:extLst>
       <p:ext uri="{BB962C8B-B14F-4D97-AF65-F5344CB8AC3E}">
@@ -5826,96 +5515,125 @@
             <p:ph type="title"/>
           </p:nvPr>
         </p:nvSpPr>
+        <p:spPr/>
+        <p:txBody>
+          <a:bodyPr/>
+          <a:lstStyle/>
+          <a:p>
+            <a:r>
+              <a:rPr lang="en-US" dirty="0" smtClean="0"/>
+              <a:t>Installation Steps</a:t>
+            </a:r>
+            <a:endParaRPr lang="en-US" dirty="0"/>
+          </a:p>
+        </p:txBody>
+      </p:sp>
+      <p:sp>
+        <p:nvSpPr>
+          <p:cNvPr id="5" name="TextBox 4"/>
+          <p:cNvSpPr txBox="1"/>
+          <p:nvPr/>
+        </p:nvSpPr>
         <p:spPr>
           <a:xfrm>
-            <a:off x="457200" y="274638"/>
-            <a:ext cx="8229600" cy="1143000"/>
-          </a:xfrm>
-        </p:spPr>
-        <p:txBody>
-          <a:bodyPr>
-            <a:normAutofit/>
-          </a:bodyPr>
-          <a:lstStyle/>
-          <a:p>
-            <a:r>
-              <a:rPr lang="en-US" dirty="0" smtClean="0"/>
-              <a:t>Architecture</a:t>
-            </a:r>
-            <a:endParaRPr lang="en-US" dirty="0"/>
-          </a:p>
-        </p:txBody>
-      </p:sp>
-      <p:pic>
-        <p:nvPicPr>
-          <p:cNvPr id="4" name="Picture 2"/>
-          <p:cNvPicPr>
-            <a:picLocks noChangeAspect="1" noChangeArrowheads="1"/>
-          </p:cNvPicPr>
-          <p:nvPr/>
-        </p:nvPicPr>
-        <p:blipFill>
-          <a:blip r:embed="rId2">
-            <a:extLst>
-              <a:ext uri="{28A0092B-C50C-407E-A947-70E740481C1C}">
-                <a14:useLocalDpi xmlns:a14="http://schemas.microsoft.com/office/drawing/2010/main" val="0"/>
-              </a:ext>
-            </a:extLst>
-          </a:blip>
-          <a:srcRect/>
-          <a:stretch>
-            <a:fillRect/>
-          </a:stretch>
-        </p:blipFill>
-        <p:spPr bwMode="auto">
-          <a:xfrm>
-            <a:off x="326689" y="1561229"/>
-            <a:ext cx="8534090" cy="5157003"/>
+            <a:off x="879894" y="1584186"/>
+            <a:ext cx="7608651" cy="1754326"/>
           </a:xfrm>
           <a:prstGeom prst="rect">
             <a:avLst/>
           </a:prstGeom>
           <a:noFill/>
-          <a:ln>
-            <a:noFill/>
-          </a:ln>
-          <a:effectLst/>
-          <a:extLst>
-            <a:ext uri="{909E8E84-426E-40DD-AFC4-6F175D3DCCD1}">
-              <a14:hiddenFill xmlns:a14="http://schemas.microsoft.com/office/drawing/2010/main">
-                <a:solidFill>
-                  <a:schemeClr val="accent1"/>
-                </a:solidFill>
-              </a14:hiddenFill>
-            </a:ext>
-            <a:ext uri="{91240B29-F687-4F45-9708-019B960494DF}">
-              <a14:hiddenLine xmlns:a14="http://schemas.microsoft.com/office/drawing/2010/main" w="9525">
-                <a:solidFill>
-                  <a:schemeClr val="tx1"/>
-                </a:solidFill>
-                <a:miter lim="800000"/>
-                <a:headEnd/>
-                <a:tailEnd/>
-              </a14:hiddenLine>
-            </a:ext>
-            <a:ext uri="{AF507438-7753-43E0-B8FC-AC1667EBCBE1}">
-              <a14:hiddenEffects xmlns:a14="http://schemas.microsoft.com/office/drawing/2010/main">
-                <a:effectLst>
-                  <a:outerShdw dist="35921" dir="2700000" algn="ctr" rotWithShape="0">
-                    <a:schemeClr val="bg2"/>
-                  </a:outerShdw>
-                </a:effectLst>
-              </a14:hiddenEffects>
-            </a:ext>
-          </a:extLst>
         </p:spPr>
-      </p:pic>
+        <p:txBody>
+          <a:bodyPr wrap="square" rtlCol="0">
+            <a:spAutoFit/>
+          </a:bodyPr>
+          <a:lstStyle/>
+          <a:p>
+            <a:pPr marL="285750" indent="-285750">
+              <a:buFont typeface="Arial" pitchFamily="34" charset="0"/>
+              <a:buChar char="•"/>
+            </a:pPr>
+            <a:r>
+              <a:rPr lang="en-US" dirty="0" smtClean="0"/>
+              <a:t>Create </a:t>
+            </a:r>
+            <a:r>
+              <a:rPr lang="en-US" dirty="0"/>
+              <a:t>an EC2 Instance</a:t>
+            </a:r>
+          </a:p>
+          <a:p>
+            <a:pPr marL="285750" indent="-285750">
+              <a:buFont typeface="Arial" pitchFamily="34" charset="0"/>
+              <a:buChar char="•"/>
+            </a:pPr>
+            <a:r>
+              <a:rPr lang="en-US" dirty="0"/>
+              <a:t>Create EKS </a:t>
+            </a:r>
+            <a:r>
+              <a:rPr lang="en-US" dirty="0" smtClean="0"/>
+              <a:t>Cluster, </a:t>
+            </a:r>
+            <a:r>
+              <a:rPr lang="en-US" dirty="0"/>
+              <a:t>IAM </a:t>
+            </a:r>
+            <a:r>
+              <a:rPr lang="en-US" dirty="0" smtClean="0"/>
+              <a:t>Security, </a:t>
+            </a:r>
+            <a:r>
+              <a:rPr lang="en-US" dirty="0"/>
+              <a:t>and ALB Ingress Controller</a:t>
+            </a:r>
+          </a:p>
+          <a:p>
+            <a:pPr marL="285750" indent="-285750">
+              <a:buFont typeface="Arial" pitchFamily="34" charset="0"/>
+              <a:buChar char="•"/>
+            </a:pPr>
+            <a:r>
+              <a:rPr lang="en-US" dirty="0"/>
+              <a:t>Deploy Simple WebApp to Your </a:t>
+            </a:r>
+            <a:r>
+              <a:rPr lang="en-US" dirty="0" smtClean="0"/>
+              <a:t>Cluster (Using Fargate)</a:t>
+            </a:r>
+            <a:endParaRPr lang="en-US" dirty="0"/>
+          </a:p>
+          <a:p>
+            <a:pPr marL="285750" indent="-285750">
+              <a:buFont typeface="Arial" pitchFamily="34" charset="0"/>
+              <a:buChar char="•"/>
+            </a:pPr>
+            <a:r>
+              <a:rPr lang="en-US" dirty="0"/>
+              <a:t>Configure the Kubernetes Dashboard (Optional)</a:t>
+            </a:r>
+          </a:p>
+          <a:p>
+            <a:pPr marL="285750" indent="-285750">
+              <a:buFont typeface="Arial" pitchFamily="34" charset="0"/>
+              <a:buChar char="•"/>
+            </a:pPr>
+            <a:r>
+              <a:rPr lang="en-US" dirty="0"/>
+              <a:t>Remove AWS EKS Cluster</a:t>
+            </a:r>
+          </a:p>
+          <a:p>
+            <a:pPr marL="285750" indent="-285750">
+              <a:buFont typeface="Arial" pitchFamily="34" charset="0"/>
+              <a:buChar char="•"/>
+            </a:pPr>
+            <a:endParaRPr lang="en-US" dirty="0"/>
+          </a:p>
+        </p:txBody>
+      </p:sp>
     </p:spTree>
-    <p:extLst>
-      <p:ext uri="{BB962C8B-B14F-4D97-AF65-F5344CB8AC3E}">
-        <p14:creationId xmlns:p14="http://schemas.microsoft.com/office/powerpoint/2010/main" val="386835973"/>
-      </p:ext>
-    </p:extLst>
   </p:cSld>
   <p:clrMapOvr>
     <a:masterClrMapping/>
@@ -5964,7 +5682,7 @@
           <a:p>
             <a:r>
               <a:rPr lang="en-US" dirty="0" smtClean="0"/>
-              <a:t>Installation Steps</a:t>
+              <a:t>Quick Demo</a:t>
             </a:r>
             <a:endParaRPr lang="en-US" dirty="0"/>
           </a:p>
@@ -5978,8 +5696,8 @@
         </p:nvSpPr>
         <p:spPr>
           <a:xfrm>
-            <a:off x="879894" y="1584186"/>
-            <a:ext cx="7608651" cy="1477328"/>
+            <a:off x="757367" y="1584186"/>
+            <a:ext cx="7515090" cy="2308324"/>
           </a:xfrm>
           <a:prstGeom prst="rect">
             <a:avLst/>
@@ -5992,84 +5710,97 @@
           </a:bodyPr>
           <a:lstStyle/>
           <a:p>
-            <a:pPr marL="285750" indent="-285750">
+            <a:pPr>
               <a:buFont typeface="Arial" pitchFamily="34" charset="0"/>
               <a:buChar char="•"/>
             </a:pPr>
             <a:r>
               <a:rPr lang="en-US" dirty="0" smtClean="0"/>
-              <a:t>Create an AWS </a:t>
+              <a:t>  To save time an AWS EKS Cluster and an Web Application </a:t>
             </a:r>
             <a:r>
               <a:rPr lang="en-US" dirty="0"/>
-              <a:t>EC2 </a:t>
+              <a:t>Fargate Profile </a:t>
             </a:r>
             <a:r>
               <a:rPr lang="en-US" dirty="0" smtClean="0"/>
-              <a:t>Instance </a:t>
-            </a:r>
-          </a:p>
-          <a:p>
-            <a:pPr marL="285750" indent="-285750">
+              <a:t>called “web-namespace” has already been configured using eksctl.</a:t>
+            </a:r>
+          </a:p>
+          <a:p>
+            <a:endParaRPr lang="en-US" dirty="0" smtClean="0"/>
+          </a:p>
+          <a:p>
+            <a:pPr>
               <a:buFont typeface="Arial" pitchFamily="34" charset="0"/>
               <a:buChar char="•"/>
             </a:pPr>
             <a:r>
+              <a:rPr lang="en-US" dirty="0"/>
+              <a:t> </a:t>
+            </a:r>
+            <a:r>
               <a:rPr lang="en-US" dirty="0" smtClean="0"/>
-              <a:t>Create </a:t>
-            </a:r>
-            <a:r>
-              <a:rPr lang="en-US" dirty="0"/>
-              <a:t>EKS Cluster, IAM Security and ALB Ingress </a:t>
-            </a:r>
-            <a:r>
-              <a:rPr lang="en-US" dirty="0" smtClean="0"/>
-              <a:t>Controller</a:t>
-            </a:r>
-            <a:endParaRPr lang="en-US" dirty="0"/>
-          </a:p>
-          <a:p>
-            <a:pPr marL="285750" indent="-285750">
+              <a:t> We’ll:</a:t>
+            </a:r>
+          </a:p>
+          <a:p>
+            <a:pPr lvl="1">
               <a:buFont typeface="Arial" pitchFamily="34" charset="0"/>
               <a:buChar char="•"/>
             </a:pPr>
             <a:r>
-              <a:rPr lang="en-US" dirty="0"/>
-              <a:t>Deploy WebApp to Your </a:t>
-            </a:r>
-            <a:r>
               <a:rPr lang="en-US" dirty="0" smtClean="0"/>
-              <a:t>Cluster</a:t>
-            </a:r>
-          </a:p>
-          <a:p>
-            <a:pPr marL="285750" indent="-285750">
+              <a:t>  Create a deployment and service for a simple webapp</a:t>
+            </a:r>
+          </a:p>
+          <a:p>
+            <a:pPr lvl="1">
               <a:buFont typeface="Arial" pitchFamily="34" charset="0"/>
               <a:buChar char="•"/>
             </a:pPr>
             <a:r>
+              <a:rPr lang="en-US" dirty="0"/>
+              <a:t> </a:t>
+            </a:r>
+            <a:r>
               <a:rPr lang="en-US" dirty="0" smtClean="0"/>
-              <a:t>Configure </a:t>
-            </a:r>
-            <a:r>
-              <a:rPr lang="en-US" dirty="0"/>
-              <a:t>the Kubernetes </a:t>
-            </a:r>
-            <a:r>
-              <a:rPr lang="en-US" dirty="0" smtClean="0"/>
-              <a:t>Dashboard (Optional)</a:t>
-            </a:r>
-          </a:p>
-          <a:p>
-            <a:pPr marL="285750" indent="-285750">
+              <a:t> Scale the webapp to show Fargate scaling containers</a:t>
+            </a:r>
+            <a:endParaRPr lang="en-US" dirty="0"/>
+          </a:p>
+          <a:p>
+            <a:pPr lvl="1">
               <a:buFont typeface="Arial" pitchFamily="34" charset="0"/>
               <a:buChar char="•"/>
             </a:pPr>
-            <a:endParaRPr lang="en-US" dirty="0"/>
+            <a:r>
+              <a:rPr lang="en-US" dirty="0" smtClean="0"/>
+              <a:t>  Show an unique ip as it is load balanced across the webapp containers</a:t>
+            </a:r>
+          </a:p>
+          <a:p>
+            <a:pPr lvl="1">
+              <a:buFont typeface="Arial" pitchFamily="34" charset="0"/>
+              <a:buChar char="•"/>
+            </a:pPr>
+            <a:r>
+              <a:rPr lang="en-US" dirty="0"/>
+              <a:t> </a:t>
+            </a:r>
+            <a:r>
+              <a:rPr lang="en-US" dirty="0" smtClean="0"/>
+              <a:t> Configure the Kubernetes Dashboard (optional)</a:t>
+            </a:r>
           </a:p>
         </p:txBody>
       </p:sp>
     </p:spTree>
+    <p:extLst>
+      <p:ext uri="{BB962C8B-B14F-4D97-AF65-F5344CB8AC3E}">
+        <p14:creationId xmlns:p14="http://schemas.microsoft.com/office/powerpoint/2010/main" val="2159253671"/>
+      </p:ext>
+    </p:extLst>
   </p:cSld>
   <p:clrMapOvr>
     <a:masterClrMapping/>
@@ -6118,7 +5849,7 @@
           <a:p>
             <a:r>
               <a:rPr lang="en-US" dirty="0" smtClean="0"/>
-              <a:t>Quick Demo</a:t>
+              <a:t>Notes</a:t>
             </a:r>
             <a:endParaRPr lang="en-US" dirty="0"/>
           </a:p>
@@ -6133,7 +5864,7 @@
         <p:spPr>
           <a:xfrm>
             <a:off x="757367" y="1584186"/>
-            <a:ext cx="7515090" cy="2308324"/>
+            <a:ext cx="7515090" cy="2862322"/>
           </a:xfrm>
           <a:prstGeom prst="rect">
             <a:avLst/>
@@ -6146,95 +5877,128 @@
           </a:bodyPr>
           <a:lstStyle/>
           <a:p>
-            <a:pPr>
+            <a:pPr marL="285750" indent="-285750">
               <a:buFont typeface="Arial" pitchFamily="34" charset="0"/>
               <a:buChar char="•"/>
             </a:pPr>
             <a:r>
               <a:rPr lang="en-US" dirty="0" smtClean="0"/>
-              <a:t>  To save time an AWS EKS Cluster and </a:t>
+              <a:t>Fargate is limited to 100 Nodes per account initially.   This </a:t>
             </a:r>
             <a:r>
               <a:rPr lang="en-US" dirty="0"/>
-              <a:t>a Fargate Profile </a:t>
+              <a:t>limit is adjustable, and </a:t>
             </a:r>
             <a:r>
               <a:rPr lang="en-US" dirty="0" smtClean="0"/>
-              <a:t>“web-namespace” has already been configured using eksctl.</a:t>
-            </a:r>
-          </a:p>
-          <a:p>
+              <a:t>you can </a:t>
+            </a:r>
+            <a:r>
+              <a:rPr lang="en-US" dirty="0"/>
+              <a:t>request a Quota increase to a higher value based on the requirement. To increase the limit on the number of pods that be launched via EKS Fargate can you provide the following information. </a:t>
+            </a:r>
             <a:endParaRPr lang="en-US" dirty="0" smtClean="0"/>
           </a:p>
           <a:p>
-            <a:pPr>
+            <a:pPr marL="742950" lvl="1" indent="-285750">
               <a:buFont typeface="Arial" pitchFamily="34" charset="0"/>
               <a:buChar char="•"/>
             </a:pPr>
             <a:r>
+              <a:rPr lang="en-US" dirty="0" smtClean="0"/>
+              <a:t>EKS </a:t>
+            </a:r>
+            <a:r>
               <a:rPr lang="en-US" dirty="0"/>
-              <a:t> </a:t>
+              <a:t>cluster name and </a:t>
             </a:r>
             <a:r>
               <a:rPr lang="en-US" dirty="0" smtClean="0"/>
-              <a:t> We’ll:</a:t>
-            </a:r>
-          </a:p>
-          <a:p>
-            <a:pPr lvl="1">
+              <a:t>region</a:t>
+            </a:r>
+          </a:p>
+          <a:p>
+            <a:pPr marL="742950" lvl="1" indent="-285750">
               <a:buFont typeface="Arial" pitchFamily="34" charset="0"/>
               <a:buChar char="•"/>
             </a:pPr>
             <a:r>
               <a:rPr lang="en-US" dirty="0" smtClean="0"/>
-              <a:t>  Create a deployment and service for a simple webapp</a:t>
-            </a:r>
-          </a:p>
-          <a:p>
-            <a:pPr lvl="1">
+              <a:t>A </a:t>
+            </a:r>
+            <a:r>
+              <a:rPr lang="en-US" dirty="0"/>
+              <a:t>small brief on the use case you are trying to </a:t>
+            </a:r>
+            <a:r>
+              <a:rPr lang="en-US" dirty="0" smtClean="0"/>
+              <a:t>achieve</a:t>
+            </a:r>
+          </a:p>
+          <a:p>
+            <a:pPr marL="742950" lvl="1" indent="-285750">
               <a:buFont typeface="Arial" pitchFamily="34" charset="0"/>
               <a:buChar char="•"/>
             </a:pPr>
             <a:r>
+              <a:rPr lang="en-US" dirty="0" smtClean="0"/>
+              <a:t>New </a:t>
+            </a:r>
+            <a:r>
               <a:rPr lang="en-US" dirty="0"/>
-              <a:t> </a:t>
+              <a:t>required </a:t>
             </a:r>
             <a:r>
               <a:rPr lang="en-US" dirty="0" smtClean="0"/>
-              <a:t> Scale the webapp to show Fargate scaling containers</a:t>
-            </a:r>
-            <a:endParaRPr lang="en-US" dirty="0"/>
-          </a:p>
-          <a:p>
-            <a:pPr lvl="1">
+              <a:t>limit</a:t>
+            </a:r>
+          </a:p>
+          <a:p>
+            <a:pPr marL="742950" lvl="1" indent="-285750">
               <a:buFont typeface="Arial" pitchFamily="34" charset="0"/>
               <a:buChar char="•"/>
             </a:pPr>
             <a:r>
               <a:rPr lang="en-US" dirty="0" smtClean="0"/>
-              <a:t>  Show an unique ip as it is load balanced across the webapp containers</a:t>
-            </a:r>
-          </a:p>
-          <a:p>
-            <a:pPr lvl="1">
+              <a:t>AWS </a:t>
+            </a:r>
+            <a:r>
+              <a:rPr lang="en-US" dirty="0"/>
+              <a:t>account ID</a:t>
+            </a:r>
+            <a:r>
+              <a:rPr lang="en-US" dirty="0" smtClean="0"/>
+              <a:t> </a:t>
+            </a:r>
+          </a:p>
+          <a:p>
+            <a:pPr marL="742950" lvl="1" indent="-285750">
               <a:buFont typeface="Arial" pitchFamily="34" charset="0"/>
               <a:buChar char="•"/>
             </a:pPr>
-            <a:r>
-              <a:rPr lang="en-US" dirty="0"/>
-              <a:t> </a:t>
-            </a:r>
+            <a:endParaRPr lang="en-US" dirty="0"/>
+          </a:p>
+          <a:p>
+            <a:pPr marL="285750" indent="-285750">
+              <a:buFont typeface="Arial" pitchFamily="34" charset="0"/>
+              <a:buChar char="•"/>
+            </a:pPr>
             <a:r>
               <a:rPr lang="en-US" dirty="0" smtClean="0"/>
-              <a:t> Configure the Kubernetes Dashboard (optional)</a:t>
-            </a:r>
+              <a:t>When deleting Fargate Profiles you must delete one at a </a:t>
+            </a:r>
+            <a:r>
+              <a:rPr lang="en-US" smtClean="0"/>
+              <a:t>time.</a:t>
+            </a:r>
+            <a:endParaRPr lang="en-US" dirty="0" smtClean="0"/>
           </a:p>
         </p:txBody>
       </p:sp>
     </p:spTree>
     <p:extLst>
       <p:ext uri="{BB962C8B-B14F-4D97-AF65-F5344CB8AC3E}">
-        <p14:creationId xmlns:p14="http://schemas.microsoft.com/office/powerpoint/2010/main" val="2159253671"/>
+        <p14:creationId xmlns:p14="http://schemas.microsoft.com/office/powerpoint/2010/main" val="1236400761"/>
       </p:ext>
     </p:extLst>
   </p:cSld>

--- a/slides/AWS-EKS-Cluster-Fargate-Quickstart.pptx
+++ b/slides/AWS-EKS-Cluster-Fargate-Quickstart.pptx
@@ -4083,7 +4083,7 @@
                 <a:ea typeface="+mj-ea"/>
                 <a:cs typeface="+mj-cs"/>
               </a:rPr>
-              <a:t>AWS Elastic Kubernetes Service (EKS) Fargate QuickStart</a:t>
+              <a:t>AWS Elastic Kubernetes Service (EKS) with Fargate QuickStart</a:t>
             </a:r>
             <a:endParaRPr kumimoji="0" lang="en-US" sz="4400" b="0" i="0" u="none" strike="noStrike" kern="1200" cap="none" spc="0" normalizeH="0" baseline="0" noProof="0" dirty="0">
               <a:ln>
@@ -4207,7 +4207,7 @@
                   <a:prstClr val="black"/>
                 </a:solidFill>
               </a:rPr>
-              <a:t>Configuring AWS EKS with Fargate requires the use of eksctl right now, not what I would expect for a AWS Managed Service</a:t>
+              <a:t>Configuring AWS EKS with Fargate requires the use of eksctl right now.  Not what I would expect for a AWS Managed Service</a:t>
             </a:r>
           </a:p>
           <a:p>
@@ -4229,7 +4229,7 @@
                   <a:prstClr val="black"/>
                 </a:solidFill>
               </a:rPr>
-              <a:t> Still requires some manual configuration of yaml files</a:t>
+              <a:t> Still requires more manual configuration then I would normally want.</a:t>
             </a:r>
           </a:p>
           <a:p>
@@ -4251,21 +4251,8 @@
                   <a:prstClr val="black"/>
                 </a:solidFill>
               </a:rPr>
-              <a:t> We used cloud-init and shell scripts to speed the configuration </a:t>
-            </a:r>
-            <a:r>
-              <a:rPr lang="en-US" dirty="0" smtClean="0">
-                <a:solidFill>
-                  <a:prstClr val="black"/>
-                </a:solidFill>
-              </a:rPr>
-              <a:t>process</a:t>
-            </a:r>
-            <a:endParaRPr lang="en-US" dirty="0" smtClean="0">
-              <a:solidFill>
-                <a:prstClr val="black"/>
-              </a:solidFill>
-            </a:endParaRPr>
+              <a:t> We used cloud-init and shell scripts to speed the configuration process</a:t>
+            </a:r>
           </a:p>
           <a:p>
             <a:pPr>
@@ -4626,7 +4613,7 @@
               <a:buChar char="•"/>
             </a:pPr>
             <a:r>
-              <a:rPr lang="en-US">
+              <a:rPr lang="en-US" dirty="0">
                 <a:solidFill>
                   <a:prstClr val="black"/>
                 </a:solidFill>
@@ -4634,20 +4621,12 @@
               <a:t> </a:t>
             </a:r>
             <a:r>
-              <a:rPr lang="en-US" smtClean="0">
-                <a:solidFill>
-                  <a:prstClr val="black"/>
-                </a:solidFill>
-              </a:rPr>
-              <a:t> Use Docker </a:t>
-            </a:r>
-            <a:r>
               <a:rPr lang="en-US" dirty="0" smtClean="0">
                 <a:solidFill>
                   <a:prstClr val="black"/>
                 </a:solidFill>
               </a:rPr>
-              <a:t>for development but quickly realized if you want to do anything serious with containers in production you need orchestration</a:t>
+              <a:t> Use Docker for development but quickly realized if you want to do anything serious with containers in production you need orchestration</a:t>
             </a:r>
           </a:p>
           <a:p>
@@ -4689,7 +4668,23 @@
                   <a:prstClr val="black"/>
                 </a:solidFill>
               </a:rPr>
-              <a:t>  Something that could scale easily</a:t>
+              <a:t>  Something that </a:t>
+            </a:r>
+            <a:r>
+              <a:rPr lang="en-US" dirty="0" smtClean="0">
+                <a:solidFill>
+                  <a:prstClr val="black"/>
+                </a:solidFill>
+              </a:rPr>
+              <a:t>would </a:t>
+            </a:r>
+            <a:r>
+              <a:rPr lang="en-US" dirty="0" smtClean="0">
+                <a:solidFill>
+                  <a:prstClr val="black"/>
+                </a:solidFill>
+              </a:rPr>
+              <a:t>scale easily</a:t>
             </a:r>
           </a:p>
           <a:p>
@@ -4968,7 +4963,7 @@
         <p:spPr>
           <a:xfrm>
             <a:off x="1082028" y="1456570"/>
-            <a:ext cx="7050468" cy="4801314"/>
+            <a:ext cx="7050468" cy="4247317"/>
           </a:xfrm>
           <a:prstGeom prst="rect">
             <a:avLst/>
@@ -5042,11 +5037,11 @@
             </a:r>
             <a:r>
               <a:rPr lang="en-US" dirty="0" smtClean="0"/>
-              <a:t> Elastic </a:t>
+              <a:t> Load </a:t>
             </a:r>
             <a:r>
               <a:rPr lang="en-US" dirty="0"/>
-              <a:t>Load Balancing for load </a:t>
+              <a:t>Balancing for load </a:t>
             </a:r>
             <a:r>
               <a:rPr lang="en-US" dirty="0" smtClean="0"/>
@@ -5141,12 +5136,29 @@
             </a:r>
             <a:r>
               <a:rPr lang="en-US" dirty="0"/>
-              <a:t>can easily migrate any standard Kubernetes application to Amazon EKS without any code modification </a:t>
-            </a:r>
-            <a:r>
-              <a:rPr lang="en-US" dirty="0" smtClean="0"/>
-              <a:t>required</a:t>
-            </a:r>
+              <a:t>can easily migrate </a:t>
+            </a:r>
+            <a:r>
+              <a:rPr lang="en-US" dirty="0" smtClean="0"/>
+              <a:t>standard </a:t>
+            </a:r>
+            <a:r>
+              <a:rPr lang="en-US" dirty="0"/>
+              <a:t>Kubernetes </a:t>
+            </a:r>
+            <a:r>
+              <a:rPr lang="en-US" dirty="0" smtClean="0"/>
+              <a:t>applications </a:t>
+            </a:r>
+            <a:r>
+              <a:rPr lang="en-US" dirty="0"/>
+              <a:t>to Amazon </a:t>
+            </a:r>
+            <a:r>
+              <a:rPr lang="en-US" dirty="0" smtClean="0"/>
+              <a:t>EKS</a:t>
+            </a:r>
+            <a:endParaRPr lang="en-US" dirty="0" smtClean="0"/>
           </a:p>
           <a:p>
             <a:pPr>
@@ -5164,10 +5176,6 @@
               <a:rPr lang="en-US" dirty="0" smtClean="0"/>
               <a:t>  On Demand</a:t>
             </a:r>
-            <a:endParaRPr lang="en-US" dirty="0"/>
-          </a:p>
-          <a:p>
-            <a:endParaRPr lang="en-US" dirty="0" smtClean="0"/>
           </a:p>
         </p:txBody>
       </p:sp>
@@ -5195,11 +5203,7 @@
           <a:p>
             <a:r>
               <a:rPr lang="en-US" dirty="0" smtClean="0"/>
-              <a:t>Why AWS </a:t>
-            </a:r>
-            <a:r>
-              <a:rPr lang="en-US" dirty="0" smtClean="0"/>
-              <a:t>EKS Fargate?</a:t>
+              <a:t>Why AWS EKS Fargate?</a:t>
             </a:r>
             <a:endParaRPr lang="en-US" dirty="0"/>
           </a:p>
@@ -5308,7 +5312,15 @@
             </a:pPr>
             <a:r>
               <a:rPr lang="en-US" dirty="0" smtClean="0"/>
-              <a:t>  An EC2 Instance in which to install kubectl, </a:t>
+              <a:t>  An EC2 Instance in which to install </a:t>
+            </a:r>
+            <a:r>
+              <a:rPr lang="en-US" dirty="0" smtClean="0"/>
+              <a:t>eksctl, kubectl</a:t>
+            </a:r>
+            <a:r>
+              <a:rPr lang="en-US" dirty="0" smtClean="0"/>
+              <a:t>, </a:t>
             </a:r>
             <a:r>
               <a:rPr lang="en-US" dirty="0"/>
@@ -5600,7 +5612,7 @@
             </a:r>
             <a:r>
               <a:rPr lang="en-US" dirty="0" smtClean="0"/>
-              <a:t>Cluster (Using Fargate)</a:t>
+              <a:t>Cluster (Using a Fargate Profile)</a:t>
             </a:r>
             <a:endParaRPr lang="en-US" dirty="0"/>
           </a:p>
@@ -5716,11 +5728,11 @@
             </a:pPr>
             <a:r>
               <a:rPr lang="en-US" dirty="0" smtClean="0"/>
-              <a:t>  To save time an AWS EKS Cluster and an Web Application </a:t>
+              <a:t>  To save time an AWS EKS Cluster and a Fargate </a:t>
             </a:r>
             <a:r>
               <a:rPr lang="en-US" dirty="0"/>
-              <a:t>Fargate Profile </a:t>
+              <a:t>Profile </a:t>
             </a:r>
             <a:r>
               <a:rPr lang="en-US" dirty="0" smtClean="0"/>
@@ -5765,7 +5777,7 @@
             </a:r>
             <a:r>
               <a:rPr lang="en-US" dirty="0" smtClean="0"/>
-              <a:t> Scale the webapp to show Fargate scaling containers</a:t>
+              <a:t> Scale the webapp to show Fargate scales to support containers</a:t>
             </a:r>
             <a:endParaRPr lang="en-US" dirty="0"/>
           </a:p>
@@ -5895,9 +5907,20 @@
             </a:r>
             <a:r>
               <a:rPr lang="en-US" dirty="0"/>
-              <a:t>request a Quota increase to a higher value based on the requirement. To increase the limit on the number of pods that be launched via EKS Fargate can you provide the following information. </a:t>
-            </a:r>
-            <a:endParaRPr lang="en-US" dirty="0" smtClean="0"/>
+              <a:t>request a Quota increase to a higher value based on the requirement. To increase the limit on the number of pods that be launched via EKS Fargate </a:t>
+            </a:r>
+            <a:r>
+              <a:rPr lang="en-US" dirty="0" smtClean="0"/>
+              <a:t>.  You need to provide </a:t>
+            </a:r>
+            <a:r>
+              <a:rPr lang="en-US" dirty="0"/>
+              <a:t>the following </a:t>
+            </a:r>
+            <a:r>
+              <a:rPr lang="en-US" dirty="0" smtClean="0"/>
+              <a:t>information: </a:t>
+            </a:r>
           </a:p>
           <a:p>
             <a:pPr marL="742950" lvl="1" indent="-285750">
@@ -5985,13 +6008,8 @@
             </a:pPr>
             <a:r>
               <a:rPr lang="en-US" dirty="0" smtClean="0"/>
-              <a:t>When deleting Fargate Profiles you must delete one at a </a:t>
-            </a:r>
-            <a:r>
-              <a:rPr lang="en-US" smtClean="0"/>
-              <a:t>time.</a:t>
-            </a:r>
-            <a:endParaRPr lang="en-US" dirty="0" smtClean="0"/>
+              <a:t>When deleting Fargate Profiles you must delete one at a time.</a:t>
+            </a:r>
           </a:p>
         </p:txBody>
       </p:sp>

--- a/slides/AWS-EKS-Cluster-Fargate-Quickstart.pptx
+++ b/slides/AWS-EKS-Cluster-Fargate-Quickstart.pptx
@@ -5,10 +5,10 @@
     <p:sldMasterId id="2147483852" r:id="rId1"/>
   </p:sldMasterIdLst>
   <p:notesMasterIdLst>
-    <p:notesMasterId r:id="rId14"/>
+    <p:notesMasterId r:id="rId15"/>
   </p:notesMasterIdLst>
   <p:handoutMasterIdLst>
-    <p:handoutMasterId r:id="rId15"/>
+    <p:handoutMasterId r:id="rId16"/>
   </p:handoutMasterIdLst>
   <p:sldIdLst>
     <p:sldId id="256" r:id="rId2"/>
@@ -18,11 +18,12 @@
     <p:sldId id="266" r:id="rId6"/>
     <p:sldId id="267" r:id="rId7"/>
     <p:sldId id="262" r:id="rId8"/>
-    <p:sldId id="272" r:id="rId9"/>
-    <p:sldId id="271" r:id="rId10"/>
-    <p:sldId id="274" r:id="rId11"/>
-    <p:sldId id="268" r:id="rId12"/>
-    <p:sldId id="265" r:id="rId13"/>
+    <p:sldId id="275" r:id="rId9"/>
+    <p:sldId id="272" r:id="rId10"/>
+    <p:sldId id="271" r:id="rId11"/>
+    <p:sldId id="274" r:id="rId12"/>
+    <p:sldId id="268" r:id="rId13"/>
+    <p:sldId id="265" r:id="rId14"/>
   </p:sldIdLst>
   <p:sldSz cx="9144000" cy="6858000" type="screen4x3"/>
   <p:notesSz cx="6858000" cy="9144000"/>
@@ -207,7 +208,7 @@
             <a:fld id="{814910AB-AEF0-414C-82CB-791080B1186B}" type="datetimeFigureOut">
               <a:rPr lang="en-US" smtClean="0"/>
               <a:pPr/>
-              <a:t>2/25/2020</a:t>
+              <a:t>3/4/2020</a:t>
             </a:fld>
             <a:endParaRPr lang="en-US" dirty="0"/>
           </a:p>
@@ -374,7 +375,7 @@
             <a:fld id="{5B4AE38D-E020-46F3-803D-8636C5B7B74E}" type="datetimeFigureOut">
               <a:rPr lang="en-US" smtClean="0"/>
               <a:pPr/>
-              <a:t>2/25/2020</a:t>
+              <a:t>3/4/2020</a:t>
             </a:fld>
             <a:endParaRPr lang="en-US" dirty="0"/>
           </a:p>
@@ -779,7 +780,7 @@
             <a:pPr marL="0" indent="0">
               <a:buNone/>
             </a:pPr>
-            <a:endParaRPr lang="en-US" dirty="0"/>
+            <a:endParaRPr lang="en-US" dirty="0" smtClean="0"/>
           </a:p>
         </p:txBody>
       </p:sp>
@@ -799,11 +800,19 @@
           <a:lstStyle/>
           <a:p>
             <a:fld id="{74DE7DC8-A302-4EFB-9208-987A80C71CE4}" type="slidenum">
-              <a:rPr lang="en-US" smtClean="0"/>
+              <a:rPr lang="en-US" smtClean="0">
+                <a:solidFill>
+                  <a:prstClr val="black"/>
+                </a:solidFill>
+              </a:rPr>
               <a:pPr/>
               <a:t>8</a:t>
             </a:fld>
-            <a:endParaRPr lang="en-US" dirty="0"/>
+            <a:endParaRPr lang="en-US" dirty="0">
+              <a:solidFill>
+                <a:prstClr val="black"/>
+              </a:solidFill>
+            </a:endParaRPr>
           </a:p>
         </p:txBody>
       </p:sp>
@@ -969,13 +978,98 @@
           <a:lstStyle/>
           <a:p>
             <a:fld id="{74DE7DC8-A302-4EFB-9208-987A80C71CE4}" type="slidenum">
+              <a:rPr lang="en-US" smtClean="0"/>
+              <a:pPr/>
+              <a:t>10</a:t>
+            </a:fld>
+            <a:endParaRPr lang="en-US" dirty="0"/>
+          </a:p>
+        </p:txBody>
+      </p:sp>
+    </p:spTree>
+  </p:cSld>
+  <p:clrMapOvr>
+    <a:masterClrMapping/>
+  </p:clrMapOvr>
+</p:notes>
+</file>
+
+<file path=ppt/notesSlides/notesSlide5.xml><?xml version="1.0" encoding="utf-8"?>
+<p:notes xmlns:a="http://schemas.openxmlformats.org/drawingml/2006/main" xmlns:r="http://schemas.openxmlformats.org/officeDocument/2006/relationships" xmlns:p="http://schemas.openxmlformats.org/presentationml/2006/main">
+  <p:cSld>
+    <p:spTree>
+      <p:nvGrpSpPr>
+        <p:cNvPr id="1" name=""/>
+        <p:cNvGrpSpPr/>
+        <p:nvPr/>
+      </p:nvGrpSpPr>
+      <p:grpSpPr>
+        <a:xfrm>
+          <a:off x="0" y="0"/>
+          <a:ext cx="0" cy="0"/>
+          <a:chOff x="0" y="0"/>
+          <a:chExt cx="0" cy="0"/>
+        </a:xfrm>
+      </p:grpSpPr>
+      <p:sp>
+        <p:nvSpPr>
+          <p:cNvPr id="2" name="Slide Image Placeholder 1"/>
+          <p:cNvSpPr>
+            <a:spLocks noGrp="1" noRot="1" noChangeAspect="1"/>
+          </p:cNvSpPr>
+          <p:nvPr>
+            <p:ph type="sldImg"/>
+          </p:nvPr>
+        </p:nvSpPr>
+        <p:spPr/>
+      </p:sp>
+      <p:sp>
+        <p:nvSpPr>
+          <p:cNvPr id="3" name="Notes Placeholder 2"/>
+          <p:cNvSpPr>
+            <a:spLocks noGrp="1"/>
+          </p:cNvSpPr>
+          <p:nvPr>
+            <p:ph type="body" idx="1"/>
+          </p:nvPr>
+        </p:nvSpPr>
+        <p:spPr/>
+        <p:txBody>
+          <a:bodyPr>
+            <a:normAutofit/>
+          </a:bodyPr>
+          <a:lstStyle/>
+          <a:p>
+            <a:pPr marL="0" indent="0">
+              <a:buNone/>
+            </a:pPr>
+            <a:endParaRPr lang="en-US" dirty="0"/>
+          </a:p>
+        </p:txBody>
+      </p:sp>
+      <p:sp>
+        <p:nvSpPr>
+          <p:cNvPr id="4" name="Slide Number Placeholder 3"/>
+          <p:cNvSpPr>
+            <a:spLocks noGrp="1"/>
+          </p:cNvSpPr>
+          <p:nvPr>
+            <p:ph type="sldNum" sz="quarter" idx="10"/>
+          </p:nvPr>
+        </p:nvSpPr>
+        <p:spPr/>
+        <p:txBody>
+          <a:bodyPr/>
+          <a:lstStyle/>
+          <a:p>
+            <a:fld id="{74DE7DC8-A302-4EFB-9208-987A80C71CE4}" type="slidenum">
               <a:rPr lang="en-US" smtClean="0">
                 <a:solidFill>
                   <a:prstClr val="black"/>
                 </a:solidFill>
               </a:rPr>
               <a:pPr/>
-              <a:t>10</a:t>
+              <a:t>11</a:t>
             </a:fld>
             <a:endParaRPr lang="en-US" dirty="0">
               <a:solidFill>
@@ -1175,7 +1269,7 @@
             <a:fld id="{7DDB771E-4AED-4DD3-8AA1-5D9FD2224F14}" type="datetimeFigureOut">
               <a:rPr lang="en-US" smtClean="0"/>
               <a:pPr/>
-              <a:t>2/25/2020</a:t>
+              <a:t>3/4/2020</a:t>
             </a:fld>
             <a:endParaRPr lang="en-US" dirty="0"/>
           </a:p>
@@ -1342,7 +1436,7 @@
             <a:fld id="{7DDB771E-4AED-4DD3-8AA1-5D9FD2224F14}" type="datetimeFigureOut">
               <a:rPr lang="en-US" smtClean="0"/>
               <a:pPr/>
-              <a:t>2/25/2020</a:t>
+              <a:t>3/4/2020</a:t>
             </a:fld>
             <a:endParaRPr lang="en-US" dirty="0"/>
           </a:p>
@@ -1519,7 +1613,7 @@
             <a:fld id="{7DDB771E-4AED-4DD3-8AA1-5D9FD2224F14}" type="datetimeFigureOut">
               <a:rPr lang="en-US" smtClean="0"/>
               <a:pPr/>
-              <a:t>2/25/2020</a:t>
+              <a:t>3/4/2020</a:t>
             </a:fld>
             <a:endParaRPr lang="en-US" dirty="0"/>
           </a:p>
@@ -1686,7 +1780,7 @@
             <a:fld id="{7DDB771E-4AED-4DD3-8AA1-5D9FD2224F14}" type="datetimeFigureOut">
               <a:rPr lang="en-US" smtClean="0"/>
               <a:pPr/>
-              <a:t>2/25/2020</a:t>
+              <a:t>3/4/2020</a:t>
             </a:fld>
             <a:endParaRPr lang="en-US" dirty="0"/>
           </a:p>
@@ -1929,7 +2023,7 @@
             <a:fld id="{7DDB771E-4AED-4DD3-8AA1-5D9FD2224F14}" type="datetimeFigureOut">
               <a:rPr lang="en-US" smtClean="0"/>
               <a:pPr/>
-              <a:t>2/25/2020</a:t>
+              <a:t>3/4/2020</a:t>
             </a:fld>
             <a:endParaRPr lang="en-US" dirty="0"/>
           </a:p>
@@ -2214,7 +2308,7 @@
             <a:fld id="{7DDB771E-4AED-4DD3-8AA1-5D9FD2224F14}" type="datetimeFigureOut">
               <a:rPr lang="en-US" smtClean="0"/>
               <a:pPr/>
-              <a:t>2/25/2020</a:t>
+              <a:t>3/4/2020</a:t>
             </a:fld>
             <a:endParaRPr lang="en-US" dirty="0"/>
           </a:p>
@@ -2633,7 +2727,7 @@
             <a:fld id="{7DDB771E-4AED-4DD3-8AA1-5D9FD2224F14}" type="datetimeFigureOut">
               <a:rPr lang="en-US" smtClean="0"/>
               <a:pPr/>
-              <a:t>2/25/2020</a:t>
+              <a:t>3/4/2020</a:t>
             </a:fld>
             <a:endParaRPr lang="en-US" dirty="0"/>
           </a:p>
@@ -2748,7 +2842,7 @@
             <a:fld id="{7DDB771E-4AED-4DD3-8AA1-5D9FD2224F14}" type="datetimeFigureOut">
               <a:rPr lang="en-US" smtClean="0"/>
               <a:pPr/>
-              <a:t>2/25/2020</a:t>
+              <a:t>3/4/2020</a:t>
             </a:fld>
             <a:endParaRPr lang="en-US" dirty="0"/>
           </a:p>
@@ -2840,7 +2934,7 @@
             <a:fld id="{7DDB771E-4AED-4DD3-8AA1-5D9FD2224F14}" type="datetimeFigureOut">
               <a:rPr lang="en-US" smtClean="0"/>
               <a:pPr/>
-              <a:t>2/25/2020</a:t>
+              <a:t>3/4/2020</a:t>
             </a:fld>
             <a:endParaRPr lang="en-US" dirty="0"/>
           </a:p>
@@ -3114,7 +3208,7 @@
             <a:fld id="{7DDB771E-4AED-4DD3-8AA1-5D9FD2224F14}" type="datetimeFigureOut">
               <a:rPr lang="en-US" smtClean="0"/>
               <a:pPr/>
-              <a:t>2/25/2020</a:t>
+              <a:t>3/4/2020</a:t>
             </a:fld>
             <a:endParaRPr lang="en-US" dirty="0"/>
           </a:p>
@@ -3364,7 +3458,7 @@
             <a:fld id="{7DDB771E-4AED-4DD3-8AA1-5D9FD2224F14}" type="datetimeFigureOut">
               <a:rPr lang="en-US" smtClean="0"/>
               <a:pPr/>
-              <a:t>2/25/2020</a:t>
+              <a:t>3/4/2020</a:t>
             </a:fld>
             <a:endParaRPr lang="en-US" dirty="0"/>
           </a:p>
@@ -3574,7 +3668,7 @@
             <a:fld id="{7DDB771E-4AED-4DD3-8AA1-5D9FD2224F14}" type="datetimeFigureOut">
               <a:rPr lang="en-US" smtClean="0"/>
               <a:pPr/>
-              <a:t>2/25/2020</a:t>
+              <a:t>3/4/2020</a:t>
             </a:fld>
             <a:endParaRPr lang="en-US" dirty="0"/>
           </a:p>
@@ -4147,7 +4241,7 @@
           <a:p>
             <a:r>
               <a:rPr lang="en-US" dirty="0" smtClean="0"/>
-              <a:t>Conclusions</a:t>
+              <a:t>Notes</a:t>
             </a:r>
             <a:endParaRPr lang="en-US" dirty="0"/>
           </a:p>
@@ -4162,7 +4256,7 @@
         <p:spPr>
           <a:xfrm>
             <a:off x="757367" y="1584186"/>
-            <a:ext cx="7515090" cy="2862322"/>
+            <a:ext cx="7515090" cy="1754326"/>
           </a:xfrm>
           <a:prstGeom prst="rect">
             <a:avLst/>
@@ -4175,193 +4269,67 @@
           </a:bodyPr>
           <a:lstStyle/>
           <a:p>
-            <a:pPr>
+            <a:pPr marL="285750" indent="-285750">
               <a:buFont typeface="Arial" pitchFamily="34" charset="0"/>
               <a:buChar char="•"/>
             </a:pPr>
             <a:r>
-              <a:rPr lang="en-US" dirty="0" smtClean="0">
-                <a:solidFill>
-                  <a:prstClr val="black"/>
-                </a:solidFill>
-              </a:rPr>
-              <a:t>  Cons</a:t>
-            </a:r>
-          </a:p>
-          <a:p>
-            <a:pPr lvl="1">
+              <a:rPr lang="en-US" dirty="0" smtClean="0"/>
+              <a:t>Fargate is limited to 100 Nodes per account initially.   This </a:t>
+            </a:r>
+            <a:r>
+              <a:rPr lang="en-US" dirty="0"/>
+              <a:t>limit is </a:t>
+            </a:r>
+            <a:r>
+              <a:rPr lang="en-US" dirty="0" smtClean="0"/>
+              <a:t>adjustable and you can </a:t>
+            </a:r>
+            <a:r>
+              <a:rPr lang="en-US" dirty="0"/>
+              <a:t>request a Quota increase to a higher value based on the requirement</a:t>
+            </a:r>
+            <a:r>
+              <a:rPr lang="en-US" dirty="0" smtClean="0"/>
+              <a:t>.</a:t>
+            </a:r>
+          </a:p>
+          <a:p>
+            <a:pPr marL="742950" lvl="1" indent="-285750">
               <a:buFont typeface="Arial" pitchFamily="34" charset="0"/>
               <a:buChar char="•"/>
             </a:pPr>
-            <a:r>
-              <a:rPr lang="en-US" dirty="0">
-                <a:solidFill>
-                  <a:prstClr val="black"/>
-                </a:solidFill>
-              </a:rPr>
-              <a:t> </a:t>
-            </a:r>
-            <a:r>
-              <a:rPr lang="en-US" dirty="0" smtClean="0">
-                <a:solidFill>
-                  <a:prstClr val="black"/>
-                </a:solidFill>
-              </a:rPr>
-              <a:t>Configuring AWS EKS with Fargate requires the use of eksctl right now.  Not what I would expect for a AWS Managed Service</a:t>
-            </a:r>
-          </a:p>
-          <a:p>
-            <a:pPr lvl="1">
+            <a:endParaRPr lang="en-US" dirty="0"/>
+          </a:p>
+          <a:p>
+            <a:pPr marL="285750" indent="-285750">
               <a:buFont typeface="Arial" pitchFamily="34" charset="0"/>
               <a:buChar char="•"/>
             </a:pPr>
             <a:r>
-              <a:rPr lang="en-US" dirty="0">
-                <a:solidFill>
-                  <a:prstClr val="black"/>
-                </a:solidFill>
-              </a:rPr>
+              <a:rPr lang="en-US" dirty="0" smtClean="0"/>
+              <a:t>When deleting Fargate Profiles you must delete one at a time</a:t>
+            </a:r>
+            <a:r>
+              <a:rPr lang="en-US" dirty="0"/>
               <a:t> </a:t>
             </a:r>
             <a:r>
-              <a:rPr lang="en-US" dirty="0" smtClean="0">
-                <a:solidFill>
-                  <a:prstClr val="black"/>
-                </a:solidFill>
-              </a:rPr>
-              <a:t> Still requires more manual configuration then I would normally want.</a:t>
-            </a:r>
-          </a:p>
-          <a:p>
-            <a:pPr lvl="1">
-              <a:buFont typeface="Arial" pitchFamily="34" charset="0"/>
-              <a:buChar char="•"/>
-            </a:pPr>
-            <a:r>
-              <a:rPr lang="en-US" dirty="0">
-                <a:solidFill>
-                  <a:prstClr val="black"/>
-                </a:solidFill>
-              </a:rPr>
-              <a:t> </a:t>
-            </a:r>
-            <a:r>
-              <a:rPr lang="en-US" dirty="0" smtClean="0">
-                <a:solidFill>
-                  <a:prstClr val="black"/>
-                </a:solidFill>
-              </a:rPr>
-              <a:t> We used cloud-init and shell scripts to speed the configuration process</a:t>
-            </a:r>
-          </a:p>
-          <a:p>
-            <a:pPr>
-              <a:buFont typeface="Arial" pitchFamily="34" charset="0"/>
-              <a:buChar char="•"/>
-            </a:pPr>
-            <a:r>
-              <a:rPr lang="en-US" dirty="0" smtClean="0">
-                <a:solidFill>
-                  <a:prstClr val="black"/>
-                </a:solidFill>
-              </a:rPr>
-              <a:t>  Pros</a:t>
-            </a:r>
-          </a:p>
-          <a:p>
-            <a:pPr lvl="1">
-              <a:buFont typeface="Arial" pitchFamily="34" charset="0"/>
-              <a:buChar char="•"/>
-            </a:pPr>
-            <a:r>
-              <a:rPr lang="en-US" dirty="0">
-                <a:solidFill>
-                  <a:prstClr val="black"/>
-                </a:solidFill>
-              </a:rPr>
-              <a:t> </a:t>
-            </a:r>
-            <a:r>
-              <a:rPr lang="en-US" dirty="0" smtClean="0">
-                <a:solidFill>
-                  <a:prstClr val="black"/>
-                </a:solidFill>
-              </a:rPr>
-              <a:t> Provision Kubernetes across AWS Availability Zones</a:t>
-            </a:r>
-          </a:p>
-          <a:p>
-            <a:pPr lvl="1">
-              <a:buFont typeface="Arial" pitchFamily="34" charset="0"/>
-              <a:buChar char="•"/>
-            </a:pPr>
-            <a:r>
-              <a:rPr lang="en-US" dirty="0">
-                <a:solidFill>
-                  <a:prstClr val="black"/>
-                </a:solidFill>
-              </a:rPr>
-              <a:t> </a:t>
-            </a:r>
-            <a:r>
-              <a:rPr lang="en-US" dirty="0" smtClean="0">
-                <a:solidFill>
-                  <a:prstClr val="black"/>
-                </a:solidFill>
-              </a:rPr>
-              <a:t> No need to provision node groups</a:t>
-            </a:r>
-          </a:p>
-          <a:p>
-            <a:pPr lvl="1">
-              <a:buFont typeface="Arial" pitchFamily="34" charset="0"/>
-              <a:buChar char="•"/>
-            </a:pPr>
-            <a:r>
-              <a:rPr lang="en-US" dirty="0">
-                <a:solidFill>
-                  <a:prstClr val="black"/>
-                </a:solidFill>
-              </a:rPr>
-              <a:t> </a:t>
-            </a:r>
-            <a:r>
-              <a:rPr lang="en-US" dirty="0" smtClean="0">
-                <a:solidFill>
-                  <a:prstClr val="black"/>
-                </a:solidFill>
-              </a:rPr>
-              <a:t> Scales up and down very quickly</a:t>
-            </a:r>
-          </a:p>
-          <a:p>
-            <a:pPr lvl="1">
-              <a:buFont typeface="Arial" pitchFamily="34" charset="0"/>
-              <a:buChar char="•"/>
-            </a:pPr>
-            <a:r>
-              <a:rPr lang="en-US" dirty="0">
-                <a:solidFill>
-                  <a:prstClr val="black"/>
-                </a:solidFill>
-              </a:rPr>
-              <a:t> </a:t>
-            </a:r>
-            <a:r>
-              <a:rPr lang="en-US" dirty="0" smtClean="0">
-                <a:solidFill>
-                  <a:prstClr val="black"/>
-                </a:solidFill>
-              </a:rPr>
-              <a:t> On Demand</a:t>
-            </a:r>
+              <a:rPr lang="en-US" dirty="0" smtClean="0"/>
+              <a:t>or you can delete the entire cluster and all Fargate Profiles will be </a:t>
+            </a:r>
+            <a:r>
+              <a:rPr lang="en-US" dirty="0" smtClean="0"/>
+              <a:t>deleted at once.</a:t>
+            </a:r>
+            <a:endParaRPr lang="en-US" dirty="0" smtClean="0"/>
           </a:p>
         </p:txBody>
       </p:sp>
     </p:spTree>
     <p:extLst>
       <p:ext uri="{BB962C8B-B14F-4D97-AF65-F5344CB8AC3E}">
-        <p14:creationId xmlns:p14="http://schemas.microsoft.com/office/powerpoint/2010/main" val="480695935"/>
+        <p14:creationId xmlns:p14="http://schemas.microsoft.com/office/powerpoint/2010/main" val="1236400761"/>
       </p:ext>
     </p:extLst>
   </p:cSld>
@@ -4397,7 +4365,7 @@
       </p:grpSpPr>
       <p:sp>
         <p:nvSpPr>
-          <p:cNvPr id="2" name="Title 1"/>
+          <p:cNvPr id="3" name="Title 1"/>
           <p:cNvSpPr>
             <a:spLocks noGrp="1"/>
           </p:cNvSpPr>
@@ -4412,16 +4380,221 @@
           <a:p>
             <a:r>
               <a:rPr lang="en-US" dirty="0" smtClean="0"/>
-              <a:t>Questions?</a:t>
-            </a:r>
-            <a:endParaRPr lang="en-US" dirty="0"/>
+              <a:t>Conclusions</a:t>
+            </a:r>
+            <a:endParaRPr lang="en-US" dirty="0"/>
+          </a:p>
+        </p:txBody>
+      </p:sp>
+      <p:sp>
+        <p:nvSpPr>
+          <p:cNvPr id="5" name="TextBox 4"/>
+          <p:cNvSpPr txBox="1"/>
+          <p:nvPr/>
+        </p:nvSpPr>
+        <p:spPr>
+          <a:xfrm>
+            <a:off x="757367" y="1584186"/>
+            <a:ext cx="7515090" cy="2862322"/>
+          </a:xfrm>
+          <a:prstGeom prst="rect">
+            <a:avLst/>
+          </a:prstGeom>
+          <a:noFill/>
+        </p:spPr>
+        <p:txBody>
+          <a:bodyPr wrap="square" rtlCol="0">
+            <a:spAutoFit/>
+          </a:bodyPr>
+          <a:lstStyle/>
+          <a:p>
+            <a:pPr>
+              <a:buFont typeface="Arial" pitchFamily="34" charset="0"/>
+              <a:buChar char="•"/>
+            </a:pPr>
+            <a:r>
+              <a:rPr lang="en-US" dirty="0" smtClean="0">
+                <a:solidFill>
+                  <a:prstClr val="black"/>
+                </a:solidFill>
+              </a:rPr>
+              <a:t>  Cons</a:t>
+            </a:r>
+          </a:p>
+          <a:p>
+            <a:pPr lvl="1">
+              <a:buFont typeface="Arial" pitchFamily="34" charset="0"/>
+              <a:buChar char="•"/>
+            </a:pPr>
+            <a:r>
+              <a:rPr lang="en-US" dirty="0">
+                <a:solidFill>
+                  <a:prstClr val="black"/>
+                </a:solidFill>
+              </a:rPr>
+              <a:t> </a:t>
+            </a:r>
+            <a:r>
+              <a:rPr lang="en-US" dirty="0" smtClean="0">
+                <a:solidFill>
+                  <a:prstClr val="black"/>
+                </a:solidFill>
+              </a:rPr>
+              <a:t>Configuring AWS EKS with Fargate requires the use of eksctl right now.  Not what I would expect for a AWS Managed Service</a:t>
+            </a:r>
+          </a:p>
+          <a:p>
+            <a:pPr lvl="1">
+              <a:buFont typeface="Arial" pitchFamily="34" charset="0"/>
+              <a:buChar char="•"/>
+            </a:pPr>
+            <a:r>
+              <a:rPr lang="en-US" dirty="0">
+                <a:solidFill>
+                  <a:prstClr val="black"/>
+                </a:solidFill>
+              </a:rPr>
+              <a:t> </a:t>
+            </a:r>
+            <a:r>
+              <a:rPr lang="en-US" dirty="0" smtClean="0">
+                <a:solidFill>
+                  <a:prstClr val="black"/>
+                </a:solidFill>
+              </a:rPr>
+              <a:t> Still requires more manual configuration then I would normally want.</a:t>
+            </a:r>
+          </a:p>
+          <a:p>
+            <a:pPr lvl="1">
+              <a:buFont typeface="Arial" pitchFamily="34" charset="0"/>
+              <a:buChar char="•"/>
+            </a:pPr>
+            <a:r>
+              <a:rPr lang="en-US" dirty="0">
+                <a:solidFill>
+                  <a:prstClr val="black"/>
+                </a:solidFill>
+              </a:rPr>
+              <a:t> </a:t>
+            </a:r>
+            <a:r>
+              <a:rPr lang="en-US" dirty="0" smtClean="0">
+                <a:solidFill>
+                  <a:prstClr val="black"/>
+                </a:solidFill>
+              </a:rPr>
+              <a:t> We used cloud-init and shell scripts to speed the configuration process</a:t>
+            </a:r>
+          </a:p>
+          <a:p>
+            <a:pPr>
+              <a:buFont typeface="Arial" pitchFamily="34" charset="0"/>
+              <a:buChar char="•"/>
+            </a:pPr>
+            <a:r>
+              <a:rPr lang="en-US" dirty="0" smtClean="0">
+                <a:solidFill>
+                  <a:prstClr val="black"/>
+                </a:solidFill>
+              </a:rPr>
+              <a:t>  Pros</a:t>
+            </a:r>
+          </a:p>
+          <a:p>
+            <a:pPr lvl="1">
+              <a:buFont typeface="Arial" pitchFamily="34" charset="0"/>
+              <a:buChar char="•"/>
+            </a:pPr>
+            <a:r>
+              <a:rPr lang="en-US" dirty="0">
+                <a:solidFill>
+                  <a:prstClr val="black"/>
+                </a:solidFill>
+              </a:rPr>
+              <a:t> </a:t>
+            </a:r>
+            <a:r>
+              <a:rPr lang="en-US" dirty="0" smtClean="0">
+                <a:solidFill>
+                  <a:prstClr val="black"/>
+                </a:solidFill>
+              </a:rPr>
+              <a:t> Provision Kubernetes across AWS Availability Zones</a:t>
+            </a:r>
+          </a:p>
+          <a:p>
+            <a:pPr lvl="1">
+              <a:buFont typeface="Arial" pitchFamily="34" charset="0"/>
+              <a:buChar char="•"/>
+            </a:pPr>
+            <a:r>
+              <a:rPr lang="en-US" dirty="0">
+                <a:solidFill>
+                  <a:prstClr val="black"/>
+                </a:solidFill>
+              </a:rPr>
+              <a:t> </a:t>
+            </a:r>
+            <a:r>
+              <a:rPr lang="en-US" dirty="0" smtClean="0">
+                <a:solidFill>
+                  <a:prstClr val="black"/>
+                </a:solidFill>
+              </a:rPr>
+              <a:t> No need to provision node groups</a:t>
+            </a:r>
+          </a:p>
+          <a:p>
+            <a:pPr lvl="1">
+              <a:buFont typeface="Arial" pitchFamily="34" charset="0"/>
+              <a:buChar char="•"/>
+            </a:pPr>
+            <a:r>
+              <a:rPr lang="en-US" dirty="0">
+                <a:solidFill>
+                  <a:prstClr val="black"/>
+                </a:solidFill>
+              </a:rPr>
+              <a:t> </a:t>
+            </a:r>
+            <a:r>
+              <a:rPr lang="en-US" dirty="0" smtClean="0">
+                <a:solidFill>
+                  <a:prstClr val="black"/>
+                </a:solidFill>
+              </a:rPr>
+              <a:t> Scales up and down very quickly</a:t>
+            </a:r>
+          </a:p>
+          <a:p>
+            <a:pPr lvl="1">
+              <a:buFont typeface="Arial" pitchFamily="34" charset="0"/>
+              <a:buChar char="•"/>
+            </a:pPr>
+            <a:r>
+              <a:rPr lang="en-US" dirty="0">
+                <a:solidFill>
+                  <a:prstClr val="black"/>
+                </a:solidFill>
+              </a:rPr>
+              <a:t> </a:t>
+            </a:r>
+            <a:r>
+              <a:rPr lang="en-US" dirty="0" smtClean="0">
+                <a:solidFill>
+                  <a:prstClr val="black"/>
+                </a:solidFill>
+              </a:rPr>
+              <a:t> On Demand</a:t>
+            </a:r>
           </a:p>
         </p:txBody>
       </p:sp>
     </p:spTree>
     <p:extLst>
       <p:ext uri="{BB962C8B-B14F-4D97-AF65-F5344CB8AC3E}">
-        <p14:creationId xmlns:p14="http://schemas.microsoft.com/office/powerpoint/2010/main" val="1733325867"/>
+        <p14:creationId xmlns:p14="http://schemas.microsoft.com/office/powerpoint/2010/main" val="480695935"/>
       </p:ext>
     </p:extLst>
   </p:cSld>
@@ -4457,6 +4630,66 @@
       </p:grpSpPr>
       <p:sp>
         <p:nvSpPr>
+          <p:cNvPr id="2" name="Title 1"/>
+          <p:cNvSpPr>
+            <a:spLocks noGrp="1"/>
+          </p:cNvSpPr>
+          <p:nvPr>
+            <p:ph type="title"/>
+          </p:nvPr>
+        </p:nvSpPr>
+        <p:spPr/>
+        <p:txBody>
+          <a:bodyPr/>
+          <a:lstStyle/>
+          <a:p>
+            <a:r>
+              <a:rPr lang="en-US" dirty="0" smtClean="0"/>
+              <a:t>Questions?</a:t>
+            </a:r>
+            <a:endParaRPr lang="en-US" dirty="0"/>
+          </a:p>
+        </p:txBody>
+      </p:sp>
+    </p:spTree>
+    <p:extLst>
+      <p:ext uri="{BB962C8B-B14F-4D97-AF65-F5344CB8AC3E}">
+        <p14:creationId xmlns:p14="http://schemas.microsoft.com/office/powerpoint/2010/main" val="1733325867"/>
+      </p:ext>
+    </p:extLst>
+  </p:cSld>
+  <p:clrMapOvr>
+    <a:masterClrMapping/>
+  </p:clrMapOvr>
+  <p:timing>
+    <p:tnLst>
+      <p:par>
+        <p:cTn id="1" dur="indefinite" restart="never" nodeType="tmRoot"/>
+      </p:par>
+    </p:tnLst>
+  </p:timing>
+</p:sld>
+</file>
+
+<file path=ppt/slides/slide13.xml><?xml version="1.0" encoding="utf-8"?>
+<p:sld xmlns:a="http://schemas.openxmlformats.org/drawingml/2006/main" xmlns:r="http://schemas.openxmlformats.org/officeDocument/2006/relationships" xmlns:p="http://schemas.openxmlformats.org/presentationml/2006/main">
+  <p:cSld>
+    <p:spTree>
+      <p:nvGrpSpPr>
+        <p:cNvPr id="1" name=""/>
+        <p:cNvGrpSpPr/>
+        <p:nvPr/>
+      </p:nvGrpSpPr>
+      <p:grpSpPr>
+        <a:xfrm>
+          <a:off x="0" y="0"/>
+          <a:ext cx="0" cy="0"/>
+          <a:chOff x="0" y="0"/>
+          <a:chExt cx="0" cy="0"/>
+        </a:xfrm>
+      </p:grpSpPr>
+      <p:sp>
+        <p:nvSpPr>
           <p:cNvPr id="5" name="TextBox 4"/>
           <p:cNvSpPr txBox="1"/>
           <p:nvPr/>
@@ -4464,7 +4697,7 @@
         <p:spPr>
           <a:xfrm>
             <a:off x="606829" y="1371600"/>
-            <a:ext cx="7880466" cy="2585323"/>
+            <a:ext cx="7880466" cy="3416320"/>
           </a:xfrm>
           <a:prstGeom prst="rect">
             <a:avLst/>
@@ -4478,7 +4711,7 @@
           <a:lstStyle/>
           <a:p>
             <a:r>
-              <a:rPr lang="en-US" dirty="0" smtClean="0"/>
+              <a:rPr lang="en-US" b="1" dirty="0" smtClean="0"/>
               <a:t>AWS EKS Fargate QuickStart</a:t>
             </a:r>
           </a:p>
@@ -4497,11 +4730,35 @@
             </a:r>
           </a:p>
           <a:p>
+            <a:endParaRPr lang="en-US" dirty="0"/>
+          </a:p>
+          <a:p>
+            <a:r>
+              <a:rPr lang="en-US" b="1" dirty="0"/>
+              <a:t>AWS </a:t>
+            </a:r>
+            <a:r>
+              <a:rPr lang="en-US" b="1" dirty="0" smtClean="0"/>
+              <a:t>Fargate</a:t>
+            </a:r>
+          </a:p>
+          <a:p>
+            <a:r>
+              <a:rPr lang="en-US" dirty="0"/>
+              <a:t>https://</a:t>
+            </a:r>
+            <a:r>
+              <a:rPr lang="en-US" dirty="0" smtClean="0"/>
+              <a:t>docs.aws.amazon.com/eks/latest/userguide/fargate</a:t>
+            </a:r>
+            <a:endParaRPr lang="en-US" dirty="0"/>
+          </a:p>
+          <a:p>
             <a:endParaRPr lang="en-US" dirty="0" smtClean="0"/>
           </a:p>
           <a:p>
             <a:r>
-              <a:rPr lang="en-US" dirty="0"/>
+              <a:rPr lang="en-US" b="1" dirty="0"/>
               <a:t>How do I set up the ALB Ingress Controller on an Amazon EKS cluster for Fargate?</a:t>
             </a:r>
           </a:p>
@@ -4654,7 +4911,23 @@
                   <a:prstClr val="black"/>
                 </a:solidFill>
               </a:rPr>
-              <a:t>  Wanted a production grade development environment</a:t>
+              <a:t>  </a:t>
+            </a:r>
+            <a:r>
+              <a:rPr lang="en-US" dirty="0" smtClean="0">
+                <a:solidFill>
+                  <a:prstClr val="black"/>
+                </a:solidFill>
+              </a:rPr>
+              <a:t>Highly Desirable: </a:t>
+            </a:r>
+            <a:r>
+              <a:rPr lang="en-US" dirty="0" smtClean="0">
+                <a:solidFill>
+                  <a:prstClr val="black"/>
+                </a:solidFill>
+              </a:rPr>
+              <a:t>Production grade development environment</a:t>
             </a:r>
           </a:p>
           <a:p>
@@ -4668,7 +4941,7 @@
                   <a:prstClr val="black"/>
                 </a:solidFill>
               </a:rPr>
-              <a:t>  Something that </a:t>
+              <a:t> </a:t>
             </a:r>
             <a:r>
               <a:rPr lang="en-US" dirty="0" smtClean="0">
@@ -4676,7 +4949,7 @@
                   <a:prstClr val="black"/>
                 </a:solidFill>
               </a:rPr>
-              <a:t>would </a:t>
+              <a:t> </a:t>
             </a:r>
             <a:r>
               <a:rPr lang="en-US" dirty="0" smtClean="0">
@@ -4684,7 +4957,23 @@
                   <a:prstClr val="black"/>
                 </a:solidFill>
               </a:rPr>
-              <a:t>scale easily</a:t>
+              <a:t>Highly </a:t>
+            </a:r>
+            <a:r>
+              <a:rPr lang="en-US" dirty="0">
+                <a:solidFill>
+                  <a:prstClr val="black"/>
+                </a:solidFill>
+              </a:rPr>
+              <a:t>Desirable : </a:t>
+            </a:r>
+            <a:r>
+              <a:rPr lang="en-US" dirty="0" smtClean="0">
+                <a:solidFill>
+                  <a:prstClr val="black"/>
+                </a:solidFill>
+              </a:rPr>
+              <a:t>Something that would scale easily</a:t>
             </a:r>
           </a:p>
           <a:p>
@@ -4698,7 +4987,39 @@
                   <a:prstClr val="black"/>
                 </a:solidFill>
               </a:rPr>
-              <a:t>  Something easy for developers </a:t>
+              <a:t> </a:t>
+            </a:r>
+            <a:r>
+              <a:rPr lang="en-US" dirty="0" smtClean="0">
+                <a:solidFill>
+                  <a:prstClr val="black"/>
+                </a:solidFill>
+              </a:rPr>
+              <a:t> </a:t>
+            </a:r>
+            <a:r>
+              <a:rPr lang="en-US" dirty="0" smtClean="0">
+                <a:solidFill>
+                  <a:prstClr val="black"/>
+                </a:solidFill>
+              </a:rPr>
+              <a:t>Highly </a:t>
+            </a:r>
+            <a:r>
+              <a:rPr lang="en-US" dirty="0">
+                <a:solidFill>
+                  <a:prstClr val="black"/>
+                </a:solidFill>
+              </a:rPr>
+              <a:t>Desirable : </a:t>
+            </a:r>
+            <a:r>
+              <a:rPr lang="en-US" dirty="0" smtClean="0">
+                <a:solidFill>
+                  <a:prstClr val="black"/>
+                </a:solidFill>
+              </a:rPr>
+              <a:t>Something for developers </a:t>
             </a:r>
             <a:r>
               <a:rPr lang="en-US" dirty="0">
@@ -4736,7 +5057,23 @@
                   <a:prstClr val="black"/>
                 </a:solidFill>
               </a:rPr>
-              <a:t> On demand</a:t>
+              <a:t> </a:t>
+            </a:r>
+            <a:r>
+              <a:rPr lang="en-US" dirty="0" smtClean="0">
+                <a:solidFill>
+                  <a:prstClr val="black"/>
+                </a:solidFill>
+              </a:rPr>
+              <a:t>Highly Desirable: </a:t>
+            </a:r>
+            <a:r>
+              <a:rPr lang="en-US" dirty="0" smtClean="0">
+                <a:solidFill>
+                  <a:prstClr val="black"/>
+                </a:solidFill>
+              </a:rPr>
+              <a:t>On demand</a:t>
             </a:r>
           </a:p>
         </p:txBody>
@@ -5158,7 +5495,6 @@
               <a:rPr lang="en-US" dirty="0" smtClean="0"/>
               <a:t>EKS</a:t>
             </a:r>
-            <a:endParaRPr lang="en-US" dirty="0" smtClean="0"/>
           </a:p>
           <a:p>
             <a:pPr>
@@ -5312,15 +5648,7 @@
             </a:pPr>
             <a:r>
               <a:rPr lang="en-US" dirty="0" smtClean="0"/>
-              <a:t>  An EC2 Instance in which to install </a:t>
-            </a:r>
-            <a:r>
-              <a:rPr lang="en-US" dirty="0" smtClean="0"/>
-              <a:t>eksctl, kubectl</a:t>
-            </a:r>
-            <a:r>
-              <a:rPr lang="en-US" dirty="0" smtClean="0"/>
-              <a:t>, </a:t>
+              <a:t>  An EC2 Instance in which to install eksctl, kubectl, </a:t>
             </a:r>
             <a:r>
               <a:rPr lang="en-US" dirty="0"/>
@@ -5382,39 +5710,9 @@
           <a:chExt cx="0" cy="0"/>
         </a:xfrm>
       </p:grpSpPr>
-      <p:sp>
-        <p:nvSpPr>
-          <p:cNvPr id="3" name="Title 1"/>
-          <p:cNvSpPr>
-            <a:spLocks noGrp="1"/>
-          </p:cNvSpPr>
-          <p:nvPr>
-            <p:ph type="title"/>
-          </p:nvPr>
-        </p:nvSpPr>
-        <p:spPr>
-          <a:xfrm>
-            <a:off x="457200" y="274638"/>
-            <a:ext cx="8229600" cy="1143000"/>
-          </a:xfrm>
-        </p:spPr>
-        <p:txBody>
-          <a:bodyPr>
-            <a:normAutofit/>
-          </a:bodyPr>
-          <a:lstStyle/>
-          <a:p>
-            <a:r>
-              <a:rPr lang="en-US" dirty="0" smtClean="0"/>
-              <a:t>Architecture</a:t>
-            </a:r>
-            <a:endParaRPr lang="en-US" dirty="0"/>
-          </a:p>
-        </p:txBody>
-      </p:sp>
       <p:pic>
         <p:nvPicPr>
-          <p:cNvPr id="2" name="Picture 1"/>
+          <p:cNvPr id="6" name="Picture 5"/>
           <p:cNvPicPr>
             <a:picLocks noChangeAspect="1"/>
           </p:cNvPicPr>
@@ -5434,8 +5732,8 @@
         </p:blipFill>
         <p:spPr>
           <a:xfrm>
-            <a:off x="336567" y="1393499"/>
-            <a:ext cx="8564171" cy="5134692"/>
+            <a:off x="247650" y="1377161"/>
+            <a:ext cx="8506570" cy="5251404"/>
           </a:xfrm>
           <a:prstGeom prst="rect">
             <a:avLst/>
@@ -5444,14 +5742,44 @@
       </p:pic>
       <p:sp>
         <p:nvSpPr>
+          <p:cNvPr id="3" name="Title 1"/>
+          <p:cNvSpPr>
+            <a:spLocks noGrp="1"/>
+          </p:cNvSpPr>
+          <p:nvPr>
+            <p:ph type="title"/>
+          </p:nvPr>
+        </p:nvSpPr>
+        <p:spPr>
+          <a:xfrm>
+            <a:off x="457200" y="274638"/>
+            <a:ext cx="8229600" cy="1143000"/>
+          </a:xfrm>
+        </p:spPr>
+        <p:txBody>
+          <a:bodyPr>
+            <a:normAutofit/>
+          </a:bodyPr>
+          <a:lstStyle/>
+          <a:p>
+            <a:r>
+              <a:rPr lang="en-US" dirty="0" smtClean="0"/>
+              <a:t>Architecture</a:t>
+            </a:r>
+            <a:endParaRPr lang="en-US" dirty="0"/>
+          </a:p>
+        </p:txBody>
+      </p:sp>
+      <p:sp>
+        <p:nvSpPr>
           <p:cNvPr id="4" name="TextBox 3"/>
           <p:cNvSpPr txBox="1"/>
           <p:nvPr/>
         </p:nvSpPr>
         <p:spPr>
           <a:xfrm>
-            <a:off x="494522" y="1681610"/>
-            <a:ext cx="2759730" cy="461665"/>
+            <a:off x="440677" y="1550593"/>
+            <a:ext cx="3405741" cy="461665"/>
           </a:xfrm>
           <a:prstGeom prst="rect">
             <a:avLst/>
@@ -5470,9 +5798,47 @@
                   <a:schemeClr val="bg1"/>
                 </a:solidFill>
               </a:rPr>
-              <a:t>Amazon EKS Fargate</a:t>
+              <a:t>Amazon EKS with Fargate</a:t>
             </a:r>
             <a:endParaRPr lang="en-US" sz="2400" b="1" dirty="0">
+              <a:solidFill>
+                <a:schemeClr val="bg1"/>
+              </a:solidFill>
+            </a:endParaRPr>
+          </a:p>
+        </p:txBody>
+      </p:sp>
+      <p:sp>
+        <p:nvSpPr>
+          <p:cNvPr id="7" name="TextBox 6"/>
+          <p:cNvSpPr txBox="1"/>
+          <p:nvPr/>
+        </p:nvSpPr>
+        <p:spPr>
+          <a:xfrm>
+            <a:off x="7124700" y="4674632"/>
+            <a:ext cx="1524745" cy="461665"/>
+          </a:xfrm>
+          <a:prstGeom prst="rect">
+            <a:avLst/>
+          </a:prstGeom>
+          <a:noFill/>
+        </p:spPr>
+        <p:txBody>
+          <a:bodyPr wrap="square" rtlCol="0">
+            <a:spAutoFit/>
+          </a:bodyPr>
+          <a:lstStyle/>
+          <a:p>
+            <a:r>
+              <a:rPr lang="en-US" sz="1200" b="1" dirty="0" smtClean="0">
+                <a:solidFill>
+                  <a:schemeClr val="bg1"/>
+                </a:solidFill>
+              </a:rPr>
+              <a:t>AWS Managed Fargate Nodes</a:t>
+            </a:r>
+            <a:endParaRPr lang="en-US" sz="1200" b="1" dirty="0">
               <a:solidFill>
                 <a:schemeClr val="bg1"/>
               </a:solidFill>
@@ -5534,7 +5900,7 @@
           <a:p>
             <a:r>
               <a:rPr lang="en-US" dirty="0" smtClean="0"/>
-              <a:t>Installation Steps</a:t>
+              <a:t>AWS Fargate Profile</a:t>
             </a:r>
             <a:endParaRPr lang="en-US" dirty="0"/>
           </a:p>
@@ -5548,8 +5914,8 @@
         </p:nvSpPr>
         <p:spPr>
           <a:xfrm>
-            <a:off x="879894" y="1584186"/>
-            <a:ext cx="7608651" cy="1754326"/>
+            <a:off x="879894" y="1584185"/>
+            <a:ext cx="7608651" cy="1200329"/>
           </a:xfrm>
           <a:prstGeom prst="rect">
             <a:avLst/>
@@ -5568,11 +5934,7 @@
             </a:pPr>
             <a:r>
               <a:rPr lang="en-US" dirty="0" smtClean="0"/>
-              <a:t>Create </a:t>
-            </a:r>
-            <a:r>
-              <a:rPr lang="en-US" dirty="0"/>
-              <a:t>an EC2 Instance</a:t>
+              <a:t>The Fargate Profile under AWS EKS is responsible</a:t>
             </a:r>
           </a:p>
           <a:p>
@@ -5582,23 +5944,11 @@
             </a:pPr>
             <a:r>
               <a:rPr lang="en-US" dirty="0"/>
-              <a:t>Create EKS </a:t>
+              <a:t>Each profile can have up to five </a:t>
             </a:r>
             <a:r>
               <a:rPr lang="en-US" dirty="0" smtClean="0"/>
-              <a:t>Cluster, </a:t>
-            </a:r>
-            <a:r>
-              <a:rPr lang="en-US" dirty="0"/>
-              <a:t>IAM </a:t>
-            </a:r>
-            <a:r>
-              <a:rPr lang="en-US" dirty="0" smtClean="0"/>
-              <a:t>Security, </a:t>
-            </a:r>
-            <a:r>
-              <a:rPr lang="en-US" dirty="0"/>
-              <a:t>and ALB Ingress Controller</a:t>
+              <a:t>namespaces</a:t>
             </a:r>
           </a:p>
           <a:p>
@@ -5608,33 +5958,21 @@
             </a:pPr>
             <a:r>
               <a:rPr lang="en-US" dirty="0"/>
-              <a:t>Deploy Simple WebApp to Your </a:t>
+              <a:t>Pods that match a </a:t>
             </a:r>
             <a:r>
               <a:rPr lang="en-US" dirty="0" smtClean="0"/>
-              <a:t>Cluster (Using a Fargate Profile)</a:t>
-            </a:r>
-            <a:endParaRPr lang="en-US" dirty="0"/>
-          </a:p>
-          <a:p>
-            <a:pPr marL="285750" indent="-285750">
-              <a:buFont typeface="Arial" pitchFamily="34" charset="0"/>
-              <a:buChar char="•"/>
-            </a:pPr>
+              <a:t>namespace are </a:t>
+            </a:r>
             <a:r>
               <a:rPr lang="en-US" dirty="0"/>
-              <a:t>Configure the Kubernetes Dashboard (Optional)</a:t>
-            </a:r>
-          </a:p>
-          <a:p>
-            <a:pPr marL="285750" indent="-285750">
-              <a:buFont typeface="Arial" pitchFamily="34" charset="0"/>
-              <a:buChar char="•"/>
-            </a:pPr>
-            <a:r>
-              <a:rPr lang="en-US" dirty="0"/>
-              <a:t>Remove AWS EKS Cluster</a:t>
-            </a:r>
+              <a:t>scheduled on </a:t>
+            </a:r>
+            <a:r>
+              <a:rPr lang="en-US" dirty="0" smtClean="0"/>
+              <a:t>Fargate</a:t>
+            </a:r>
+            <a:endParaRPr lang="en-US" dirty="0"/>
           </a:p>
           <a:p>
             <a:pPr marL="285750" indent="-285750">
@@ -5694,7 +6032,7 @@
           <a:p>
             <a:r>
               <a:rPr lang="en-US" dirty="0" smtClean="0"/>
-              <a:t>Quick Demo</a:t>
+              <a:t>Installation Steps</a:t>
             </a:r>
             <a:endParaRPr lang="en-US" dirty="0"/>
           </a:p>
@@ -5708,8 +6046,8 @@
         </p:nvSpPr>
         <p:spPr>
           <a:xfrm>
-            <a:off x="757367" y="1584186"/>
-            <a:ext cx="7515090" cy="2308324"/>
+            <a:off x="879894" y="1584186"/>
+            <a:ext cx="7608651" cy="3139321"/>
           </a:xfrm>
           <a:prstGeom prst="rect">
             <a:avLst/>
@@ -5722,95 +6060,240 @@
           </a:bodyPr>
           <a:lstStyle/>
           <a:p>
-            <a:pPr>
+            <a:pPr marL="285750" indent="-285750">
               <a:buFont typeface="Arial" pitchFamily="34" charset="0"/>
               <a:buChar char="•"/>
             </a:pPr>
             <a:r>
-              <a:rPr lang="en-US" dirty="0" smtClean="0"/>
-              <a:t>  To save time an AWS EKS Cluster and a Fargate </a:t>
-            </a:r>
-            <a:r>
-              <a:rPr lang="en-US" dirty="0"/>
-              <a:t>Profile </a:t>
-            </a:r>
-            <a:r>
-              <a:rPr lang="en-US" dirty="0" smtClean="0"/>
-              <a:t>called “web-namespace” has already been configured using eksctl.</a:t>
-            </a:r>
-          </a:p>
-          <a:p>
-            <a:endParaRPr lang="en-US" dirty="0" smtClean="0"/>
-          </a:p>
-          <a:p>
-            <a:pPr>
+              <a:rPr lang="en-US" dirty="0" smtClean="0">
+                <a:solidFill>
+                  <a:prstClr val="black"/>
+                </a:solidFill>
+              </a:rPr>
+              <a:t>Create </a:t>
+            </a:r>
+            <a:r>
+              <a:rPr lang="en-US" dirty="0">
+                <a:solidFill>
+                  <a:prstClr val="black"/>
+                </a:solidFill>
+              </a:rPr>
+              <a:t>an EC2 </a:t>
+            </a:r>
+            <a:r>
+              <a:rPr lang="en-US" dirty="0" smtClean="0">
+                <a:solidFill>
+                  <a:prstClr val="black"/>
+                </a:solidFill>
+              </a:rPr>
+              <a:t>Instance to be used as a eks_cloud_shell</a:t>
+            </a:r>
+            <a:endParaRPr lang="en-US" dirty="0">
+              <a:solidFill>
+                <a:prstClr val="black"/>
+              </a:solidFill>
+            </a:endParaRPr>
+          </a:p>
+          <a:p>
+            <a:pPr marL="285750" indent="-285750">
               <a:buFont typeface="Arial" pitchFamily="34" charset="0"/>
               <a:buChar char="•"/>
             </a:pPr>
             <a:r>
-              <a:rPr lang="en-US" dirty="0"/>
-              <a:t> </a:t>
-            </a:r>
-            <a:r>
-              <a:rPr lang="en-US" dirty="0" smtClean="0"/>
-              <a:t> We’ll:</a:t>
-            </a:r>
-          </a:p>
-          <a:p>
-            <a:pPr lvl="1">
+              <a:rPr lang="en-US" dirty="0">
+                <a:solidFill>
+                  <a:prstClr val="black"/>
+                </a:solidFill>
+              </a:rPr>
+              <a:t>Create </a:t>
+            </a:r>
+            <a:r>
+              <a:rPr lang="en-US" dirty="0" smtClean="0">
+                <a:solidFill>
+                  <a:prstClr val="black"/>
+                </a:solidFill>
+              </a:rPr>
+              <a:t>an EKS Cluster</a:t>
+            </a:r>
+          </a:p>
+          <a:p>
+            <a:pPr marL="285750" indent="-285750">
               <a:buFont typeface="Arial" pitchFamily="34" charset="0"/>
               <a:buChar char="•"/>
             </a:pPr>
             <a:r>
-              <a:rPr lang="en-US" dirty="0" smtClean="0"/>
-              <a:t>  Create a deployment and service for a simple webapp</a:t>
-            </a:r>
-          </a:p>
-          <a:p>
-            <a:pPr lvl="1">
+              <a:rPr lang="en-US" dirty="0" smtClean="0">
+                <a:solidFill>
+                  <a:prstClr val="black"/>
+                </a:solidFill>
+              </a:rPr>
+              <a:t>Create an IAM OIDC Provider</a:t>
+            </a:r>
+          </a:p>
+          <a:p>
+            <a:pPr marL="285750" indent="-285750">
               <a:buFont typeface="Arial" pitchFamily="34" charset="0"/>
               <a:buChar char="•"/>
             </a:pPr>
             <a:r>
-              <a:rPr lang="en-US" dirty="0"/>
-              <a:t> </a:t>
-            </a:r>
-            <a:r>
-              <a:rPr lang="en-US" dirty="0" smtClean="0"/>
-              <a:t> Scale the webapp to show Fargate scales to support containers</a:t>
-            </a:r>
-            <a:endParaRPr lang="en-US" dirty="0"/>
-          </a:p>
-          <a:p>
-            <a:pPr lvl="1">
+              <a:rPr lang="en-US" dirty="0" smtClean="0">
+                <a:solidFill>
+                  <a:prstClr val="black"/>
+                </a:solidFill>
+              </a:rPr>
+              <a:t>Create a </a:t>
+            </a:r>
+            <a:r>
+              <a:rPr lang="en-US" dirty="0" smtClean="0">
+                <a:solidFill>
+                  <a:prstClr val="black"/>
+                </a:solidFill>
+              </a:rPr>
+              <a:t>Kubernetes </a:t>
+            </a:r>
+            <a:r>
+              <a:rPr lang="en-US" dirty="0" smtClean="0">
+                <a:solidFill>
+                  <a:prstClr val="black"/>
+                </a:solidFill>
+              </a:rPr>
+              <a:t>ALB </a:t>
+            </a:r>
+            <a:r>
+              <a:rPr lang="en-US" dirty="0">
+                <a:solidFill>
+                  <a:prstClr val="black"/>
+                </a:solidFill>
+              </a:rPr>
+              <a:t>Ingress </a:t>
+            </a:r>
+            <a:r>
+              <a:rPr lang="en-US" dirty="0" smtClean="0">
+                <a:solidFill>
+                  <a:prstClr val="black"/>
+                </a:solidFill>
+              </a:rPr>
+              <a:t>Controller</a:t>
+            </a:r>
+          </a:p>
+          <a:p>
+            <a:pPr marL="285750" indent="-285750">
               <a:buFont typeface="Arial" pitchFamily="34" charset="0"/>
               <a:buChar char="•"/>
             </a:pPr>
             <a:r>
-              <a:rPr lang="en-US" dirty="0" smtClean="0"/>
-              <a:t>  Show an unique ip as it is load balanced across the webapp containers</a:t>
-            </a:r>
-          </a:p>
-          <a:p>
-            <a:pPr lvl="1">
+              <a:rPr lang="en-US" dirty="0" smtClean="0">
+                <a:solidFill>
+                  <a:prstClr val="black"/>
+                </a:solidFill>
+              </a:rPr>
+              <a:t>Create a Fargate Profile with an Associated Namespace</a:t>
+            </a:r>
+            <a:endParaRPr lang="en-US" dirty="0">
+              <a:solidFill>
+                <a:prstClr val="black"/>
+              </a:solidFill>
+            </a:endParaRPr>
+          </a:p>
+          <a:p>
+            <a:pPr marL="285750" indent="-285750">
               <a:buFont typeface="Arial" pitchFamily="34" charset="0"/>
               <a:buChar char="•"/>
             </a:pPr>
             <a:r>
-              <a:rPr lang="en-US" dirty="0"/>
-              <a:t> </a:t>
-            </a:r>
-            <a:r>
-              <a:rPr lang="en-US" dirty="0" smtClean="0"/>
-              <a:t> Configure the Kubernetes Dashboard (optional)</a:t>
-            </a:r>
+              <a:rPr lang="en-US" dirty="0">
+                <a:solidFill>
+                  <a:prstClr val="black"/>
+                </a:solidFill>
+              </a:rPr>
+              <a:t>Deploy Simple WebApp to Your </a:t>
+            </a:r>
+            <a:r>
+              <a:rPr lang="en-US" dirty="0" smtClean="0">
+                <a:solidFill>
+                  <a:prstClr val="black"/>
+                </a:solidFill>
+              </a:rPr>
+              <a:t>Cluster (Using the Namespace define in the Fargate Profile above)</a:t>
+            </a:r>
+          </a:p>
+          <a:p>
+            <a:pPr marL="285750" indent="-285750">
+              <a:buFont typeface="Arial" pitchFamily="34" charset="0"/>
+              <a:buChar char="•"/>
+            </a:pPr>
+            <a:r>
+              <a:rPr lang="en-US" dirty="0" smtClean="0">
+                <a:solidFill>
+                  <a:prstClr val="black"/>
+                </a:solidFill>
+              </a:rPr>
+              <a:t>Run manual and automated scaling of the WebApp</a:t>
+            </a:r>
+            <a:endParaRPr lang="en-US" dirty="0">
+              <a:solidFill>
+                <a:prstClr val="black"/>
+              </a:solidFill>
+            </a:endParaRPr>
+          </a:p>
+          <a:p>
+            <a:pPr marL="285750" indent="-285750">
+              <a:buFont typeface="Arial" pitchFamily="34" charset="0"/>
+              <a:buChar char="•"/>
+            </a:pPr>
+            <a:r>
+              <a:rPr lang="en-US" dirty="0">
+                <a:solidFill>
+                  <a:prstClr val="black"/>
+                </a:solidFill>
+              </a:rPr>
+              <a:t>Configure the Kubernetes Dashboard (Optional</a:t>
+            </a:r>
+            <a:r>
+              <a:rPr lang="en-US" dirty="0" smtClean="0">
+                <a:solidFill>
+                  <a:prstClr val="black"/>
+                </a:solidFill>
+              </a:rPr>
+              <a:t>)</a:t>
+            </a:r>
+            <a:endParaRPr lang="en-US" dirty="0">
+              <a:solidFill>
+                <a:prstClr val="black"/>
+              </a:solidFill>
+            </a:endParaRPr>
+          </a:p>
+          <a:p>
+            <a:pPr marL="285750" indent="-285750">
+              <a:buFont typeface="Arial" pitchFamily="34" charset="0"/>
+              <a:buChar char="•"/>
+            </a:pPr>
+            <a:r>
+              <a:rPr lang="en-US" dirty="0">
+                <a:solidFill>
+                  <a:prstClr val="black"/>
+                </a:solidFill>
+              </a:rPr>
+              <a:t>Remove AWS EKS Cluster</a:t>
+            </a:r>
+          </a:p>
+          <a:p>
+            <a:pPr marL="285750" indent="-285750">
+              <a:buFont typeface="Arial" pitchFamily="34" charset="0"/>
+              <a:buChar char="•"/>
+            </a:pPr>
+            <a:endParaRPr lang="en-US" dirty="0">
+              <a:solidFill>
+                <a:prstClr val="black"/>
+              </a:solidFill>
+            </a:endParaRPr>
           </a:p>
         </p:txBody>
       </p:sp>
     </p:spTree>
     <p:extLst>
       <p:ext uri="{BB962C8B-B14F-4D97-AF65-F5344CB8AC3E}">
-        <p14:creationId xmlns:p14="http://schemas.microsoft.com/office/powerpoint/2010/main" val="2159253671"/>
+        <p14:creationId xmlns:p14="http://schemas.microsoft.com/office/powerpoint/2010/main" val="3948364743"/>
       </p:ext>
     </p:extLst>
   </p:cSld>
@@ -5861,7 +6344,7 @@
           <a:p>
             <a:r>
               <a:rPr lang="en-US" dirty="0" smtClean="0"/>
-              <a:t>Notes</a:t>
+              <a:t>Quick Demo</a:t>
             </a:r>
             <a:endParaRPr lang="en-US" dirty="0"/>
           </a:p>
@@ -5876,7 +6359,7 @@
         <p:spPr>
           <a:xfrm>
             <a:off x="757367" y="1584186"/>
-            <a:ext cx="7515090" cy="2862322"/>
+            <a:ext cx="7515090" cy="2585323"/>
           </a:xfrm>
           <a:prstGeom prst="rect">
             <a:avLst/>
@@ -5889,126 +6372,101 @@
           </a:bodyPr>
           <a:lstStyle/>
           <a:p>
-            <a:pPr marL="285750" indent="-285750">
+            <a:pPr>
               <a:buFont typeface="Arial" pitchFamily="34" charset="0"/>
               <a:buChar char="•"/>
             </a:pPr>
             <a:r>
               <a:rPr lang="en-US" dirty="0" smtClean="0"/>
-              <a:t>Fargate is limited to 100 Nodes per account initially.   This </a:t>
+              <a:t>  To save time an AWS EKS Cluster with a Fargate </a:t>
             </a:r>
             <a:r>
               <a:rPr lang="en-US" dirty="0"/>
-              <a:t>limit is adjustable, and </a:t>
+              <a:t>Profile </a:t>
             </a:r>
             <a:r>
               <a:rPr lang="en-US" dirty="0" smtClean="0"/>
-              <a:t>you can </a:t>
-            </a:r>
-            <a:r>
-              <a:rPr lang="en-US" dirty="0"/>
-              <a:t>request a Quota increase to a higher value based on the requirement. To increase the limit on the number of pods that be launched via EKS Fargate </a:t>
-            </a:r>
-            <a:r>
-              <a:rPr lang="en-US" dirty="0" smtClean="0"/>
-              <a:t>.  You need to provide </a:t>
-            </a:r>
-            <a:r>
-              <a:rPr lang="en-US" dirty="0"/>
-              <a:t>the following </a:t>
-            </a:r>
-            <a:r>
-              <a:rPr lang="en-US" dirty="0" smtClean="0"/>
-              <a:t>information: </a:t>
-            </a:r>
-          </a:p>
-          <a:p>
-            <a:pPr marL="742950" lvl="1" indent="-285750">
+              <a:t>called “web-namespace” has already been configured using eksctl</a:t>
+            </a:r>
+          </a:p>
+          <a:p>
+            <a:endParaRPr lang="en-US" dirty="0" smtClean="0"/>
+          </a:p>
+          <a:p>
+            <a:pPr>
               <a:buFont typeface="Arial" pitchFamily="34" charset="0"/>
               <a:buChar char="•"/>
             </a:pPr>
             <a:r>
+              <a:rPr lang="en-US" dirty="0"/>
+              <a:t> </a:t>
+            </a:r>
+            <a:r>
               <a:rPr lang="en-US" dirty="0" smtClean="0"/>
-              <a:t>EKS </a:t>
-            </a:r>
-            <a:r>
-              <a:rPr lang="en-US" dirty="0"/>
-              <a:t>cluster name and </a:t>
-            </a:r>
-            <a:r>
-              <a:rPr lang="en-US" dirty="0" smtClean="0"/>
-              <a:t>region</a:t>
-            </a:r>
-          </a:p>
-          <a:p>
-            <a:pPr marL="742950" lvl="1" indent="-285750">
+              <a:t> We’ll:</a:t>
+            </a:r>
+          </a:p>
+          <a:p>
+            <a:pPr lvl="1">
               <a:buFont typeface="Arial" pitchFamily="34" charset="0"/>
               <a:buChar char="•"/>
             </a:pPr>
             <a:r>
+              <a:rPr lang="en-US" dirty="0"/>
+              <a:t> </a:t>
+            </a:r>
+            <a:r>
               <a:rPr lang="en-US" dirty="0" smtClean="0"/>
-              <a:t>A </a:t>
-            </a:r>
-            <a:r>
-              <a:rPr lang="en-US" dirty="0"/>
-              <a:t>small brief on the use case you are trying to </a:t>
-            </a:r>
-            <a:r>
-              <a:rPr lang="en-US" dirty="0" smtClean="0"/>
-              <a:t>achieve</a:t>
-            </a:r>
-          </a:p>
-          <a:p>
-            <a:pPr marL="742950" lvl="1" indent="-285750">
+              <a:t> Create and deploy an Ingress Controller</a:t>
+            </a:r>
+          </a:p>
+          <a:p>
+            <a:pPr lvl="1">
               <a:buFont typeface="Arial" pitchFamily="34" charset="0"/>
               <a:buChar char="•"/>
             </a:pPr>
             <a:r>
               <a:rPr lang="en-US" dirty="0" smtClean="0"/>
-              <a:t>New </a:t>
-            </a:r>
-            <a:r>
-              <a:rPr lang="en-US" dirty="0"/>
-              <a:t>required </a:t>
-            </a:r>
-            <a:r>
-              <a:rPr lang="en-US" dirty="0" smtClean="0"/>
-              <a:t>limit</a:t>
-            </a:r>
-          </a:p>
-          <a:p>
-            <a:pPr marL="742950" lvl="1" indent="-285750">
+              <a:t>  Create a deployment and service for a simple webapp</a:t>
+            </a:r>
+          </a:p>
+          <a:p>
+            <a:pPr lvl="1">
               <a:buFont typeface="Arial" pitchFamily="34" charset="0"/>
               <a:buChar char="•"/>
             </a:pPr>
             <a:r>
+              <a:rPr lang="en-US" dirty="0"/>
+              <a:t> </a:t>
+            </a:r>
+            <a:r>
               <a:rPr lang="en-US" dirty="0" smtClean="0"/>
-              <a:t>AWS </a:t>
-            </a:r>
-            <a:r>
-              <a:rPr lang="en-US" dirty="0"/>
-              <a:t>account ID</a:t>
-            </a:r>
-            <a:r>
-              <a:rPr lang="en-US" dirty="0" smtClean="0"/>
-              <a:t> </a:t>
-            </a:r>
-          </a:p>
-          <a:p>
-            <a:pPr marL="742950" lvl="1" indent="-285750">
+              <a:t> Scale the webapp to show Fargate scaling nodes dynamically</a:t>
+            </a:r>
+            <a:endParaRPr lang="en-US" dirty="0"/>
+          </a:p>
+          <a:p>
+            <a:pPr lvl="1">
               <a:buFont typeface="Arial" pitchFamily="34" charset="0"/>
               <a:buChar char="•"/>
             </a:pPr>
-            <a:endParaRPr lang="en-US" dirty="0"/>
-          </a:p>
-          <a:p>
-            <a:pPr marL="285750" indent="-285750">
+            <a:r>
+              <a:rPr lang="en-US" dirty="0" smtClean="0"/>
+              <a:t>  Show an unique ip as it is load balanced across the webapp containers</a:t>
+            </a:r>
+          </a:p>
+          <a:p>
+            <a:pPr lvl="1">
               <a:buFont typeface="Arial" pitchFamily="34" charset="0"/>
               <a:buChar char="•"/>
             </a:pPr>
             <a:r>
+              <a:rPr lang="en-US" dirty="0"/>
+              <a:t> </a:t>
+            </a:r>
+            <a:r>
               <a:rPr lang="en-US" dirty="0" smtClean="0"/>
-              <a:t>When deleting Fargate Profiles you must delete one at a time.</a:t>
+              <a:t> Configure the Kubernetes Dashboard (optional)</a:t>
             </a:r>
           </a:p>
         </p:txBody>
@@ -6016,7 +6474,7 @@
     </p:spTree>
     <p:extLst>
       <p:ext uri="{BB962C8B-B14F-4D97-AF65-F5344CB8AC3E}">
-        <p14:creationId xmlns:p14="http://schemas.microsoft.com/office/powerpoint/2010/main" val="1236400761"/>
+        <p14:creationId xmlns:p14="http://schemas.microsoft.com/office/powerpoint/2010/main" val="2159253671"/>
       </p:ext>
     </p:extLst>
   </p:cSld>

--- a/slides/AWS-EKS-Cluster-Fargate-Quickstart.pptx
+++ b/slides/AWS-EKS-Cluster-Fargate-Quickstart.pptx
@@ -4316,13 +4316,8 @@
             </a:r>
             <a:r>
               <a:rPr lang="en-US" dirty="0" smtClean="0"/>
-              <a:t>or you can delete the entire cluster and all Fargate Profiles will be </a:t>
-            </a:r>
-            <a:r>
-              <a:rPr lang="en-US" dirty="0" smtClean="0"/>
-              <a:t>deleted at once.</a:t>
-            </a:r>
-            <a:endParaRPr lang="en-US" dirty="0" smtClean="0"/>
+              <a:t>or you can delete the entire cluster and all Fargate Profiles will be deleted at once.</a:t>
+            </a:r>
           </a:p>
         </p:txBody>
       </p:sp>
@@ -4911,53 +4906,21 @@
                   <a:prstClr val="black"/>
                 </a:solidFill>
               </a:rPr>
-              <a:t>  </a:t>
-            </a:r>
+              <a:t>  Highly Desirable: Production grade development environment</a:t>
+            </a:r>
+          </a:p>
+          <a:p>
+            <a:pPr>
+              <a:buFont typeface="Arial" pitchFamily="34" charset="0"/>
+              <a:buChar char="•"/>
+            </a:pPr>
             <a:r>
               <a:rPr lang="en-US" dirty="0" smtClean="0">
                 <a:solidFill>
                   <a:prstClr val="black"/>
                 </a:solidFill>
               </a:rPr>
-              <a:t>Highly Desirable: </a:t>
-            </a:r>
-            <a:r>
-              <a:rPr lang="en-US" dirty="0" smtClean="0">
-                <a:solidFill>
-                  <a:prstClr val="black"/>
-                </a:solidFill>
-              </a:rPr>
-              <a:t>Production grade development environment</a:t>
-            </a:r>
-          </a:p>
-          <a:p>
-            <a:pPr>
-              <a:buFont typeface="Arial" pitchFamily="34" charset="0"/>
-              <a:buChar char="•"/>
-            </a:pPr>
-            <a:r>
-              <a:rPr lang="en-US" dirty="0" smtClean="0">
-                <a:solidFill>
-                  <a:prstClr val="black"/>
-                </a:solidFill>
-              </a:rPr>
-              <a:t> </a:t>
-            </a:r>
-            <a:r>
-              <a:rPr lang="en-US" dirty="0" smtClean="0">
-                <a:solidFill>
-                  <a:prstClr val="black"/>
-                </a:solidFill>
-              </a:rPr>
-              <a:t> </a:t>
-            </a:r>
-            <a:r>
-              <a:rPr lang="en-US" dirty="0" smtClean="0">
-                <a:solidFill>
-                  <a:prstClr val="black"/>
-                </a:solidFill>
-              </a:rPr>
-              <a:t>Highly </a:t>
+              <a:t>  Highly </a:t>
             </a:r>
             <a:r>
               <a:rPr lang="en-US" dirty="0">
@@ -4987,23 +4950,7 @@
                   <a:prstClr val="black"/>
                 </a:solidFill>
               </a:rPr>
-              <a:t> </a:t>
-            </a:r>
-            <a:r>
-              <a:rPr lang="en-US" dirty="0" smtClean="0">
-                <a:solidFill>
-                  <a:prstClr val="black"/>
-                </a:solidFill>
-              </a:rPr>
-              <a:t> </a:t>
-            </a:r>
-            <a:r>
-              <a:rPr lang="en-US" dirty="0" smtClean="0">
-                <a:solidFill>
-                  <a:prstClr val="black"/>
-                </a:solidFill>
-              </a:rPr>
-              <a:t>Highly </a:t>
+              <a:t>  Highly </a:t>
             </a:r>
             <a:r>
               <a:rPr lang="en-US" dirty="0">
@@ -5057,23 +5004,7 @@
                   <a:prstClr val="black"/>
                 </a:solidFill>
               </a:rPr>
-              <a:t> </a:t>
-            </a:r>
-            <a:r>
-              <a:rPr lang="en-US" dirty="0" smtClean="0">
-                <a:solidFill>
-                  <a:prstClr val="black"/>
-                </a:solidFill>
-              </a:rPr>
-              <a:t>Highly Desirable: </a:t>
-            </a:r>
-            <a:r>
-              <a:rPr lang="en-US" dirty="0" smtClean="0">
-                <a:solidFill>
-                  <a:prstClr val="black"/>
-                </a:solidFill>
-              </a:rPr>
-              <a:t>On demand</a:t>
+              <a:t> Highly Desirable: On demand</a:t>
             </a:r>
           </a:p>
         </p:txBody>
@@ -5915,7 +5846,7 @@
         <p:spPr>
           <a:xfrm>
             <a:off x="879894" y="1584185"/>
-            <a:ext cx="7608651" cy="1200329"/>
+            <a:ext cx="7608651" cy="1754326"/>
           </a:xfrm>
           <a:prstGeom prst="rect">
             <a:avLst/>
@@ -5934,8 +5865,21 @@
             </a:pPr>
             <a:r>
               <a:rPr lang="en-US" dirty="0" smtClean="0"/>
-              <a:t>The Fargate Profile under AWS EKS is responsible</a:t>
-            </a:r>
+              <a:t>The Fargate Profile under </a:t>
+            </a:r>
+            <a:r>
+              <a:rPr lang="en-US" dirty="0" smtClean="0"/>
+              <a:t>defined under AWS </a:t>
+            </a:r>
+            <a:r>
+              <a:rPr lang="en-US" dirty="0" smtClean="0"/>
+              <a:t>EKS is </a:t>
+            </a:r>
+            <a:r>
+              <a:rPr lang="en-US" dirty="0" smtClean="0"/>
+              <a:t>responsible for setting up and managing the serverless worker nodes based on a namespace</a:t>
+            </a:r>
+            <a:endParaRPr lang="en-US" dirty="0" smtClean="0"/>
           </a:p>
           <a:p>
             <a:pPr marL="285750" indent="-285750">
@@ -5966,11 +5910,19 @@
             </a:r>
             <a:r>
               <a:rPr lang="en-US" dirty="0"/>
-              <a:t>scheduled on </a:t>
+              <a:t>scheduled </a:t>
+            </a:r>
+            <a:r>
+              <a:rPr lang="en-US"/>
+              <a:t>on </a:t>
+            </a:r>
+            <a:r>
+              <a:rPr lang="en-US" smtClean="0"/>
+              <a:t>the Fargate </a:t>
             </a:r>
             <a:r>
               <a:rPr lang="en-US" dirty="0" smtClean="0"/>
-              <a:t>Fargate</a:t>
+              <a:t>Profile with matching namespace</a:t>
             </a:r>
             <a:endParaRPr lang="en-US" dirty="0"/>
           </a:p>
@@ -6141,23 +6093,7 @@
                   <a:prstClr val="black"/>
                 </a:solidFill>
               </a:rPr>
-              <a:t>Create a </a:t>
-            </a:r>
-            <a:r>
-              <a:rPr lang="en-US" dirty="0" smtClean="0">
-                <a:solidFill>
-                  <a:prstClr val="black"/>
-                </a:solidFill>
-              </a:rPr>
-              <a:t>Kubernetes </a:t>
-            </a:r>
-            <a:r>
-              <a:rPr lang="en-US" dirty="0" smtClean="0">
-                <a:solidFill>
-                  <a:prstClr val="black"/>
-                </a:solidFill>
-              </a:rPr>
-              <a:t>ALB </a:t>
+              <a:t>Create a Kubernetes ALB </a:t>
             </a:r>
             <a:r>
               <a:rPr lang="en-US" dirty="0">
